--- a/Figures/subsampling.pptx
+++ b/Figures/subsampling.pptx
@@ -13,6 +13,7 @@
     <p:sldId id="261" r:id="rId7"/>
     <p:sldId id="262" r:id="rId8"/>
     <p:sldId id="263" r:id="rId9"/>
+    <p:sldId id="264" r:id="rId10"/>
   </p:sldIdLst>
   <p:sldSz cx="4572000" cy="3657600"/>
   <p:notesSz cx="6858000" cy="9144000"/>
@@ -250,7 +251,7 @@
           <a:p>
             <a:fld id="{F360EE5B-BFF7-4615-8A57-B6020E164EB2}" type="datetimeFigureOut">
               <a:rPr lang="en-US" smtClean="0"/>
-              <a:t>6/14/2021</a:t>
+              <a:t>6/16/2021</a:t>
             </a:fld>
             <a:endParaRPr lang="en-US"/>
           </a:p>
@@ -420,7 +421,7 @@
           <a:p>
             <a:fld id="{F360EE5B-BFF7-4615-8A57-B6020E164EB2}" type="datetimeFigureOut">
               <a:rPr lang="en-US" smtClean="0"/>
-              <a:t>6/14/2021</a:t>
+              <a:t>6/16/2021</a:t>
             </a:fld>
             <a:endParaRPr lang="en-US"/>
           </a:p>
@@ -600,7 +601,7 @@
           <a:p>
             <a:fld id="{F360EE5B-BFF7-4615-8A57-B6020E164EB2}" type="datetimeFigureOut">
               <a:rPr lang="en-US" smtClean="0"/>
-              <a:t>6/14/2021</a:t>
+              <a:t>6/16/2021</a:t>
             </a:fld>
             <a:endParaRPr lang="en-US"/>
           </a:p>
@@ -770,7 +771,7 @@
           <a:p>
             <a:fld id="{F360EE5B-BFF7-4615-8A57-B6020E164EB2}" type="datetimeFigureOut">
               <a:rPr lang="en-US" smtClean="0"/>
-              <a:t>6/14/2021</a:t>
+              <a:t>6/16/2021</a:t>
             </a:fld>
             <a:endParaRPr lang="en-US"/>
           </a:p>
@@ -1014,7 +1015,7 @@
           <a:p>
             <a:fld id="{F360EE5B-BFF7-4615-8A57-B6020E164EB2}" type="datetimeFigureOut">
               <a:rPr lang="en-US" smtClean="0"/>
-              <a:t>6/14/2021</a:t>
+              <a:t>6/16/2021</a:t>
             </a:fld>
             <a:endParaRPr lang="en-US"/>
           </a:p>
@@ -1246,7 +1247,7 @@
           <a:p>
             <a:fld id="{F360EE5B-BFF7-4615-8A57-B6020E164EB2}" type="datetimeFigureOut">
               <a:rPr lang="en-US" smtClean="0"/>
-              <a:t>6/14/2021</a:t>
+              <a:t>6/16/2021</a:t>
             </a:fld>
             <a:endParaRPr lang="en-US"/>
           </a:p>
@@ -1613,7 +1614,7 @@
           <a:p>
             <a:fld id="{F360EE5B-BFF7-4615-8A57-B6020E164EB2}" type="datetimeFigureOut">
               <a:rPr lang="en-US" smtClean="0"/>
-              <a:t>6/14/2021</a:t>
+              <a:t>6/16/2021</a:t>
             </a:fld>
             <a:endParaRPr lang="en-US"/>
           </a:p>
@@ -1731,7 +1732,7 @@
           <a:p>
             <a:fld id="{F360EE5B-BFF7-4615-8A57-B6020E164EB2}" type="datetimeFigureOut">
               <a:rPr lang="en-US" smtClean="0"/>
-              <a:t>6/14/2021</a:t>
+              <a:t>6/16/2021</a:t>
             </a:fld>
             <a:endParaRPr lang="en-US"/>
           </a:p>
@@ -1826,7 +1827,7 @@
           <a:p>
             <a:fld id="{F360EE5B-BFF7-4615-8A57-B6020E164EB2}" type="datetimeFigureOut">
               <a:rPr lang="en-US" smtClean="0"/>
-              <a:t>6/14/2021</a:t>
+              <a:t>6/16/2021</a:t>
             </a:fld>
             <a:endParaRPr lang="en-US"/>
           </a:p>
@@ -2103,7 +2104,7 @@
           <a:p>
             <a:fld id="{F360EE5B-BFF7-4615-8A57-B6020E164EB2}" type="datetimeFigureOut">
               <a:rPr lang="en-US" smtClean="0"/>
-              <a:t>6/14/2021</a:t>
+              <a:t>6/16/2021</a:t>
             </a:fld>
             <a:endParaRPr lang="en-US"/>
           </a:p>
@@ -2360,7 +2361,7 @@
           <a:p>
             <a:fld id="{F360EE5B-BFF7-4615-8A57-B6020E164EB2}" type="datetimeFigureOut">
               <a:rPr lang="en-US" smtClean="0"/>
-              <a:t>6/14/2021</a:t>
+              <a:t>6/16/2021</a:t>
             </a:fld>
             <a:endParaRPr lang="en-US"/>
           </a:p>
@@ -2573,7 +2574,7 @@
           <a:p>
             <a:fld id="{F360EE5B-BFF7-4615-8A57-B6020E164EB2}" type="datetimeFigureOut">
               <a:rPr lang="en-US" smtClean="0"/>
-              <a:t>6/14/2021</a:t>
+              <a:t>6/16/2021</a:t>
             </a:fld>
             <a:endParaRPr lang="en-US"/>
           </a:p>
@@ -14567,372 +14568,7 @@
       </p:grpSpPr>
       <p:grpSp>
         <p:nvGrpSpPr>
-          <p:cNvPr id="4" name="Group 3">
-            <a:extLst>
-              <a:ext uri="{FF2B5EF4-FFF2-40B4-BE49-F238E27FC236}">
-                <a16:creationId xmlns:a16="http://schemas.microsoft.com/office/drawing/2014/main" id="{CC75D5C7-DCC3-4708-ADB2-6E5A0D5E2B74}"/>
-              </a:ext>
-            </a:extLst>
-          </p:cNvPr>
-          <p:cNvGrpSpPr/>
-          <p:nvPr/>
-        </p:nvGrpSpPr>
-        <p:grpSpPr>
-          <a:xfrm>
-            <a:off x="368898" y="291122"/>
-            <a:ext cx="3618303" cy="2163419"/>
-            <a:chOff x="368898" y="291122"/>
-            <a:chExt cx="3618303" cy="2163419"/>
-          </a:xfrm>
-        </p:grpSpPr>
-        <p:grpSp>
-          <p:nvGrpSpPr>
-            <p:cNvPr id="2" name="Group 1">
-              <a:extLst>
-                <a:ext uri="{FF2B5EF4-FFF2-40B4-BE49-F238E27FC236}">
-                  <a16:creationId xmlns:a16="http://schemas.microsoft.com/office/drawing/2014/main" id="{82F95E2E-E23D-4122-8BAF-8821C696957D}"/>
-                </a:ext>
-              </a:extLst>
-            </p:cNvPr>
-            <p:cNvGrpSpPr/>
-            <p:nvPr/>
-          </p:nvGrpSpPr>
-          <p:grpSpPr>
-            <a:xfrm>
-              <a:off x="368898" y="338667"/>
-              <a:ext cx="3618303" cy="2115874"/>
-              <a:chOff x="368898" y="338667"/>
-              <a:chExt cx="3618303" cy="2115874"/>
-            </a:xfrm>
-          </p:grpSpPr>
-          <p:sp>
-            <p:nvSpPr>
-              <p:cNvPr id="7" name="Rectangle 6">
-                <a:extLst>
-                  <a:ext uri="{FF2B5EF4-FFF2-40B4-BE49-F238E27FC236}">
-                    <a16:creationId xmlns:a16="http://schemas.microsoft.com/office/drawing/2014/main" id="{ADE99FC0-19AC-482F-95A1-1555E5AA8BA7}"/>
-                  </a:ext>
-                </a:extLst>
-              </p:cNvPr>
-              <p:cNvSpPr/>
-              <p:nvPr/>
-            </p:nvSpPr>
-            <p:spPr>
-              <a:xfrm>
-                <a:off x="368898" y="338667"/>
-                <a:ext cx="3618303" cy="2114831"/>
-              </a:xfrm>
-              <a:prstGeom prst="rect">
-                <a:avLst/>
-              </a:prstGeom>
-              <a:noFill/>
-              <a:ln>
-                <a:solidFill>
-                  <a:srgbClr val="154360"/>
-                </a:solidFill>
-              </a:ln>
-            </p:spPr>
-            <p:style>
-              <a:lnRef idx="2">
-                <a:schemeClr val="accent1">
-                  <a:shade val="50000"/>
-                </a:schemeClr>
-              </a:lnRef>
-              <a:fillRef idx="1">
-                <a:schemeClr val="accent1"/>
-              </a:fillRef>
-              <a:effectRef idx="0">
-                <a:schemeClr val="accent1"/>
-              </a:effectRef>
-              <a:fontRef idx="minor">
-                <a:schemeClr val="lt1"/>
-              </a:fontRef>
-            </p:style>
-            <p:txBody>
-              <a:bodyPr rtlCol="0" anchor="ctr"/>
-              <a:lstStyle/>
-              <a:p>
-                <a:pPr algn="ctr"/>
-                <a:endParaRPr lang="en-US"/>
-              </a:p>
-            </p:txBody>
-          </p:sp>
-          <p:sp>
-            <p:nvSpPr>
-              <p:cNvPr id="13" name="Text Box 2">
-                <a:extLst>
-                  <a:ext uri="{FF2B5EF4-FFF2-40B4-BE49-F238E27FC236}">
-                    <a16:creationId xmlns:a16="http://schemas.microsoft.com/office/drawing/2014/main" id="{624FE3E2-0850-41E9-A517-50D5BC8551CA}"/>
-                  </a:ext>
-                </a:extLst>
-              </p:cNvPr>
-              <p:cNvSpPr txBox="1">
-                <a:spLocks noChangeArrowheads="1"/>
-              </p:cNvSpPr>
-              <p:nvPr/>
-            </p:nvSpPr>
-            <p:spPr bwMode="auto">
-              <a:xfrm>
-                <a:off x="368898" y="2093991"/>
-                <a:ext cx="1522118" cy="360550"/>
-              </a:xfrm>
-              <a:prstGeom prst="rect">
-                <a:avLst/>
-              </a:prstGeom>
-              <a:noFill/>
-              <a:ln w="9525">
-                <a:noFill/>
-                <a:miter lim="800000"/>
-                <a:headEnd/>
-                <a:tailEnd/>
-              </a:ln>
-            </p:spPr>
-            <p:txBody>
-              <a:bodyPr rot="0" vert="horz" wrap="square" lIns="91440" tIns="45720" rIns="91440" bIns="45720" anchor="t" anchorCtr="0">
-                <a:noAutofit/>
-              </a:bodyPr>
-              <a:lstStyle/>
-              <a:p>
-                <a:pPr marL="0" marR="0">
-                  <a:lnSpc>
-                    <a:spcPct val="107000"/>
-                  </a:lnSpc>
-                  <a:spcBef>
-                    <a:spcPts val="0"/>
-                  </a:spcBef>
-                  <a:spcAft>
-                    <a:spcPts val="0"/>
-                  </a:spcAft>
-                </a:pPr>
-                <a:r>
-                  <a:rPr lang="en-US" dirty="0">
-                    <a:solidFill>
-                      <a:srgbClr val="154360"/>
-                    </a:solidFill>
-                    <a:effectLst/>
-                    <a:latin typeface="Arial" panose="020B0604020202020204" pitchFamily="34" charset="0"/>
-                    <a:ea typeface="PMingLiU" panose="02020500000000000000" pitchFamily="18" charset="-120"/>
-                    <a:cs typeface="Arial" panose="020B0604020202020204" pitchFamily="34" charset="0"/>
-                  </a:rPr>
-                  <a:t>Original Data</a:t>
-                </a:r>
-              </a:p>
-            </p:txBody>
-          </p:sp>
-          <p:sp>
-            <p:nvSpPr>
-              <p:cNvPr id="14" name="Rectangle 13">
-                <a:extLst>
-                  <a:ext uri="{FF2B5EF4-FFF2-40B4-BE49-F238E27FC236}">
-                    <a16:creationId xmlns:a16="http://schemas.microsoft.com/office/drawing/2014/main" id="{1ED72437-144C-47D1-9672-E1D46D6B8B9B}"/>
-                  </a:ext>
-                </a:extLst>
-              </p:cNvPr>
-              <p:cNvSpPr/>
-              <p:nvPr/>
-            </p:nvSpPr>
-            <p:spPr>
-              <a:xfrm>
-                <a:off x="689655" y="905271"/>
-                <a:ext cx="368300" cy="1188720"/>
-              </a:xfrm>
-              <a:prstGeom prst="rect">
-                <a:avLst/>
-              </a:prstGeom>
-              <a:solidFill>
-                <a:srgbClr val="154360"/>
-              </a:solidFill>
-              <a:ln>
-                <a:noFill/>
-              </a:ln>
-            </p:spPr>
-            <p:style>
-              <a:lnRef idx="2">
-                <a:schemeClr val="accent1">
-                  <a:shade val="50000"/>
-                </a:schemeClr>
-              </a:lnRef>
-              <a:fillRef idx="1">
-                <a:schemeClr val="accent1"/>
-              </a:fillRef>
-              <a:effectRef idx="0">
-                <a:schemeClr val="accent1"/>
-              </a:effectRef>
-              <a:fontRef idx="minor">
-                <a:schemeClr val="lt1"/>
-              </a:fontRef>
-            </p:style>
-            <p:txBody>
-              <a:bodyPr rtlCol="0" anchor="ctr"/>
-              <a:lstStyle/>
-              <a:p>
-                <a:pPr algn="ctr"/>
-                <a:endParaRPr lang="en-US" dirty="0"/>
-              </a:p>
-            </p:txBody>
-          </p:sp>
-          <p:sp>
-            <p:nvSpPr>
-              <p:cNvPr id="15" name="Rectangle 14">
-                <a:extLst>
-                  <a:ext uri="{FF2B5EF4-FFF2-40B4-BE49-F238E27FC236}">
-                    <a16:creationId xmlns:a16="http://schemas.microsoft.com/office/drawing/2014/main" id="{03D576FA-3808-402C-9899-69C630C22ECE}"/>
-                  </a:ext>
-                </a:extLst>
-              </p:cNvPr>
-              <p:cNvSpPr/>
-              <p:nvPr/>
-            </p:nvSpPr>
-            <p:spPr>
-              <a:xfrm>
-                <a:off x="1235755" y="1865391"/>
-                <a:ext cx="368300" cy="228600"/>
-              </a:xfrm>
-              <a:prstGeom prst="rect">
-                <a:avLst/>
-              </a:prstGeom>
-              <a:solidFill>
-                <a:srgbClr val="154360"/>
-              </a:solidFill>
-              <a:ln>
-                <a:noFill/>
-              </a:ln>
-            </p:spPr>
-            <p:style>
-              <a:lnRef idx="2">
-                <a:schemeClr val="accent1">
-                  <a:shade val="50000"/>
-                </a:schemeClr>
-              </a:lnRef>
-              <a:fillRef idx="1">
-                <a:schemeClr val="accent1"/>
-              </a:fillRef>
-              <a:effectRef idx="0">
-                <a:schemeClr val="accent1"/>
-              </a:effectRef>
-              <a:fontRef idx="minor">
-                <a:schemeClr val="lt1"/>
-              </a:fontRef>
-            </p:style>
-            <p:txBody>
-              <a:bodyPr rtlCol="0" anchor="ctr"/>
-              <a:lstStyle/>
-              <a:p>
-                <a:pPr algn="ctr"/>
-                <a:endParaRPr lang="en-US" dirty="0"/>
-              </a:p>
-            </p:txBody>
-          </p:sp>
-        </p:grpSp>
-        <p:sp>
-          <p:nvSpPr>
-            <p:cNvPr id="17" name="Text Box 2">
-              <a:extLst>
-                <a:ext uri="{FF2B5EF4-FFF2-40B4-BE49-F238E27FC236}">
-                  <a16:creationId xmlns:a16="http://schemas.microsoft.com/office/drawing/2014/main" id="{8B6A4F4B-162B-4C46-B644-A7FD6ED12D85}"/>
-                </a:ext>
-              </a:extLst>
-            </p:cNvPr>
-            <p:cNvSpPr txBox="1">
-              <a:spLocks noChangeArrowheads="1"/>
-            </p:cNvSpPr>
-            <p:nvPr/>
-          </p:nvSpPr>
-          <p:spPr bwMode="auto">
-            <a:xfrm>
-              <a:off x="1419905" y="291122"/>
-              <a:ext cx="2018280" cy="1096916"/>
-            </a:xfrm>
-            <a:prstGeom prst="rect">
-              <a:avLst/>
-            </a:prstGeom>
-            <a:noFill/>
-            <a:ln w="9525">
-              <a:noFill/>
-              <a:miter lim="800000"/>
-              <a:headEnd/>
-              <a:tailEnd/>
-            </a:ln>
-          </p:spPr>
-          <p:txBody>
-            <a:bodyPr rot="0" vert="horz" wrap="square" lIns="91440" tIns="45720" rIns="91440" bIns="45720" anchor="t" anchorCtr="0">
-              <a:noAutofit/>
-            </a:bodyPr>
-            <a:lstStyle/>
-            <a:p>
-              <a:pPr marL="0" marR="0">
-                <a:spcBef>
-                  <a:spcPts val="0"/>
-                </a:spcBef>
-                <a:spcAft>
-                  <a:spcPts val="0"/>
-                </a:spcAft>
-              </a:pPr>
-              <a:endParaRPr lang="en-US" sz="1600" dirty="0">
-                <a:solidFill>
-                  <a:srgbClr val="439DD6"/>
-                </a:solidFill>
-                <a:effectLst/>
-                <a:latin typeface="Arial" panose="020B0604020202020204" pitchFamily="34" charset="0"/>
-                <a:ea typeface="PMingLiU" panose="02020500000000000000" pitchFamily="18" charset="-120"/>
-                <a:cs typeface="Arial" panose="020B0604020202020204" pitchFamily="34" charset="0"/>
-              </a:endParaRPr>
-            </a:p>
-            <a:p>
-              <a:pPr marL="0" marR="0">
-                <a:spcBef>
-                  <a:spcPts val="0"/>
-                </a:spcBef>
-                <a:spcAft>
-                  <a:spcPts val="0"/>
-                </a:spcAft>
-              </a:pPr>
-              <a:endParaRPr lang="en-US" sz="1600" dirty="0">
-                <a:solidFill>
-                  <a:srgbClr val="439DD6"/>
-                </a:solidFill>
-                <a:effectLst/>
-                <a:latin typeface="Arial" panose="020B0604020202020204" pitchFamily="34" charset="0"/>
-                <a:ea typeface="PMingLiU" panose="02020500000000000000" pitchFamily="18" charset="-120"/>
-                <a:cs typeface="Arial" panose="020B0604020202020204" pitchFamily="34" charset="0"/>
-              </a:endParaRPr>
-            </a:p>
-          </p:txBody>
-        </p:sp>
-      </p:grpSp>
-    </p:spTree>
-    <p:extLst>
-      <p:ext uri="{BB962C8B-B14F-4D97-AF65-F5344CB8AC3E}">
-        <p14:creationId xmlns:p14="http://schemas.microsoft.com/office/powerpoint/2010/main" val="2244746584"/>
-      </p:ext>
-    </p:extLst>
-  </p:cSld>
-  <p:clrMapOvr>
-    <a:masterClrMapping/>
-  </p:clrMapOvr>
-</p:sld>
-</file>
-
-<file path=ppt/slides/slide6.xml><?xml version="1.0" encoding="utf-8"?>
-<p:sld xmlns:a="http://schemas.openxmlformats.org/drawingml/2006/main" xmlns:r="http://schemas.openxmlformats.org/officeDocument/2006/relationships" xmlns:p="http://schemas.openxmlformats.org/presentationml/2006/main">
-  <p:cSld>
-    <p:spTree>
-      <p:nvGrpSpPr>
-        <p:cNvPr id="1" name=""/>
-        <p:cNvGrpSpPr/>
-        <p:nvPr/>
-      </p:nvGrpSpPr>
-      <p:grpSpPr>
-        <a:xfrm>
-          <a:off x="0" y="0"/>
-          <a:ext cx="0" cy="0"/>
-          <a:chOff x="0" y="0"/>
-          <a:chExt cx="0" cy="0"/>
-        </a:xfrm>
-      </p:grpSpPr>
-      <p:grpSp>
-        <p:nvGrpSpPr>
-          <p:cNvPr id="5" name="Group 4">
+          <p:cNvPr id="9" name="Group 8">
             <a:extLst>
               <a:ext uri="{FF2B5EF4-FFF2-40B4-BE49-F238E27FC236}">
                 <a16:creationId xmlns:a16="http://schemas.microsoft.com/office/drawing/2014/main" id="{18050CB6-289C-4E9D-9D23-4C11B5208B74}"/>
@@ -14944,160 +14580,15 @@
         </p:nvGrpSpPr>
         <p:grpSpPr>
           <a:xfrm>
-            <a:off x="368898" y="291122"/>
-            <a:ext cx="3618304" cy="2163419"/>
-            <a:chOff x="368898" y="291122"/>
-            <a:chExt cx="3618304" cy="2163419"/>
+            <a:off x="181328" y="338667"/>
+            <a:ext cx="4114800" cy="2114831"/>
+            <a:chOff x="181328" y="338667"/>
+            <a:chExt cx="4114800" cy="2114831"/>
           </a:xfrm>
         </p:grpSpPr>
         <p:sp>
           <p:nvSpPr>
-            <p:cNvPr id="9" name="Text Box 2">
-              <a:extLst>
-                <a:ext uri="{FF2B5EF4-FFF2-40B4-BE49-F238E27FC236}">
-                  <a16:creationId xmlns:a16="http://schemas.microsoft.com/office/drawing/2014/main" id="{3579AE94-1C56-4CD2-98C3-6A2D3EF10CF0}"/>
-                </a:ext>
-              </a:extLst>
-            </p:cNvPr>
-            <p:cNvSpPr txBox="1">
-              <a:spLocks noChangeArrowheads="1"/>
-            </p:cNvSpPr>
-            <p:nvPr/>
-          </p:nvSpPr>
-          <p:spPr bwMode="auto">
-            <a:xfrm>
-              <a:off x="1419905" y="291122"/>
-              <a:ext cx="2018280" cy="1096916"/>
-            </a:xfrm>
-            <a:prstGeom prst="rect">
-              <a:avLst/>
-            </a:prstGeom>
-            <a:noFill/>
-            <a:ln w="9525">
-              <a:noFill/>
-              <a:miter lim="800000"/>
-              <a:headEnd/>
-              <a:tailEnd/>
-            </a:ln>
-          </p:spPr>
-          <p:txBody>
-            <a:bodyPr rot="0" vert="horz" wrap="square" lIns="91440" tIns="45720" rIns="91440" bIns="45720" anchor="t" anchorCtr="0">
-              <a:noAutofit/>
-            </a:bodyPr>
-            <a:lstStyle/>
-            <a:p>
-              <a:pPr marL="0" marR="0">
-                <a:spcBef>
-                  <a:spcPts val="0"/>
-                </a:spcBef>
-                <a:spcAft>
-                  <a:spcPts val="0"/>
-                </a:spcAft>
-              </a:pPr>
-              <a:endParaRPr lang="en-US" sz="1600" dirty="0">
-                <a:solidFill>
-                  <a:srgbClr val="439DD6"/>
-                </a:solidFill>
-                <a:effectLst/>
-                <a:latin typeface="Arial" panose="020B0604020202020204" pitchFamily="34" charset="0"/>
-                <a:ea typeface="PMingLiU" panose="02020500000000000000" pitchFamily="18" charset="-120"/>
-                <a:cs typeface="Arial" panose="020B0604020202020204" pitchFamily="34" charset="0"/>
-              </a:endParaRPr>
-            </a:p>
-            <a:p>
-              <a:pPr marL="0" marR="0">
-                <a:spcBef>
-                  <a:spcPts val="0"/>
-                </a:spcBef>
-                <a:spcAft>
-                  <a:spcPts val="0"/>
-                </a:spcAft>
-              </a:pPr>
-              <a:endParaRPr lang="en-US" sz="1600" dirty="0">
-                <a:solidFill>
-                  <a:srgbClr val="439DD6"/>
-                </a:solidFill>
-                <a:effectLst/>
-                <a:latin typeface="Arial" panose="020B0604020202020204" pitchFamily="34" charset="0"/>
-                <a:ea typeface="PMingLiU" panose="02020500000000000000" pitchFamily="18" charset="-120"/>
-                <a:cs typeface="Arial" panose="020B0604020202020204" pitchFamily="34" charset="0"/>
-              </a:endParaRPr>
-            </a:p>
-            <a:p>
-              <a:pPr marL="0" marR="0">
-                <a:spcBef>
-                  <a:spcPts val="0"/>
-                </a:spcBef>
-                <a:spcAft>
-                  <a:spcPts val="0"/>
-                </a:spcAft>
-              </a:pPr>
-              <a:r>
-                <a:rPr lang="en-US" dirty="0">
-                  <a:solidFill>
-                    <a:srgbClr val="439DD6"/>
-                  </a:solidFill>
-                  <a:effectLst/>
-                  <a:latin typeface="Arial" panose="020B0604020202020204" pitchFamily="34" charset="0"/>
-                  <a:ea typeface="PMingLiU" panose="02020500000000000000" pitchFamily="18" charset="-120"/>
-                  <a:cs typeface="Arial" panose="020B0604020202020204" pitchFamily="34" charset="0"/>
-                </a:rPr>
-                <a:t>Samples of majority class</a:t>
-              </a:r>
-            </a:p>
-          </p:txBody>
-        </p:sp>
-        <p:cxnSp>
-          <p:nvCxnSpPr>
-            <p:cNvPr id="10" name="Connector: Curved 9">
-              <a:extLst>
-                <a:ext uri="{FF2B5EF4-FFF2-40B4-BE49-F238E27FC236}">
-                  <a16:creationId xmlns:a16="http://schemas.microsoft.com/office/drawing/2014/main" id="{0DD6A8D9-930F-4727-8B13-003C1FFF11B3}"/>
-                </a:ext>
-              </a:extLst>
-            </p:cNvPr>
-            <p:cNvCxnSpPr>
-              <a:cxnSpLocks/>
-              <a:stCxn id="26" idx="3"/>
-              <a:endCxn id="22" idx="1"/>
-            </p:cNvCxnSpPr>
-            <p:nvPr/>
-          </p:nvCxnSpPr>
-          <p:spPr>
-            <a:xfrm>
-              <a:off x="1057955" y="1499631"/>
-              <a:ext cx="1709765" cy="474301"/>
-            </a:xfrm>
-            <a:prstGeom prst="curvedConnector3">
-              <a:avLst>
-                <a:gd name="adj1" fmla="val 50000"/>
-              </a:avLst>
-            </a:prstGeom>
-            <a:ln w="19050">
-              <a:solidFill>
-                <a:srgbClr val="439DD6"/>
-              </a:solidFill>
-              <a:tailEnd type="triangle"/>
-            </a:ln>
-          </p:spPr>
-          <p:style>
-            <a:lnRef idx="1">
-              <a:schemeClr val="accent1"/>
-            </a:lnRef>
-            <a:fillRef idx="0">
-              <a:schemeClr val="accent1"/>
-            </a:fillRef>
-            <a:effectRef idx="0">
-              <a:schemeClr val="accent1"/>
-            </a:effectRef>
-            <a:fontRef idx="minor">
-              <a:schemeClr val="tx1"/>
-            </a:fontRef>
-          </p:style>
-        </p:cxnSp>
-        <p:sp>
-          <p:nvSpPr>
-            <p:cNvPr id="15" name="Rectangle 14">
+            <p:cNvPr id="11" name="Rectangle 10">
               <a:extLst>
                 <a:ext uri="{FF2B5EF4-FFF2-40B4-BE49-F238E27FC236}">
                   <a16:creationId xmlns:a16="http://schemas.microsoft.com/office/drawing/2014/main" id="{BACAFF53-DBE0-482F-AACF-E710B24B209B}"/>
@@ -15109,8 +14600,8 @@
           </p:nvSpPr>
           <p:spPr>
             <a:xfrm>
-              <a:off x="368898" y="338667"/>
-              <a:ext cx="3618303" cy="2114831"/>
+              <a:off x="181328" y="338667"/>
+              <a:ext cx="4114800" cy="2114831"/>
             </a:xfrm>
             <a:prstGeom prst="rect">
               <a:avLst/>
@@ -15152,7 +14643,7 @@
             <p:cNvPr id="19" name="Text Box 2">
               <a:extLst>
                 <a:ext uri="{FF2B5EF4-FFF2-40B4-BE49-F238E27FC236}">
-                  <a16:creationId xmlns:a16="http://schemas.microsoft.com/office/drawing/2014/main" id="{558A7475-B437-472F-9B6E-DA279885DC5A}"/>
+                  <a16:creationId xmlns:a16="http://schemas.microsoft.com/office/drawing/2014/main" id="{46A41402-4FF8-4AAE-B9F3-6564DAB3DB85}"/>
                 </a:ext>
               </a:extLst>
             </p:cNvPr>
@@ -15163,8 +14654,8 @@
           </p:nvSpPr>
           <p:spPr bwMode="auto">
             <a:xfrm>
-              <a:off x="2080705" y="2093991"/>
-              <a:ext cx="1906497" cy="359506"/>
+              <a:off x="460071" y="1490204"/>
+              <a:ext cx="1631006" cy="901304"/>
             </a:xfrm>
             <a:prstGeom prst="rect">
               <a:avLst/>
@@ -15195,23 +14686,354 @@
                 </a:spcAft>
               </a:pPr>
               <a:r>
-                <a:rPr lang="en-US" dirty="0">
-                  <a:solidFill>
-                    <a:srgbClr val="154360"/>
-                  </a:solidFill>
+                <a:rPr lang="en-US" sz="3000" b="1" dirty="0" smtClean="0">
                   <a:effectLst/>
                   <a:latin typeface="Arial" panose="020B0604020202020204" pitchFamily="34" charset="0"/>
                   <a:ea typeface="PMingLiU" panose="02020500000000000000" pitchFamily="18" charset="-120"/>
                   <a:cs typeface="Arial" panose="020B0604020202020204" pitchFamily="34" charset="0"/>
                 </a:rPr>
-                <a:t>Resampled Data</a:t>
+                <a:t>Original Data</a:t>
               </a:r>
+              <a:endParaRPr lang="en-US" sz="3000" b="1" dirty="0">
+                <a:effectLst/>
+                <a:latin typeface="Arial" panose="020B0604020202020204" pitchFamily="34" charset="0"/>
+                <a:ea typeface="PMingLiU" panose="02020500000000000000" pitchFamily="18" charset="-120"/>
+                <a:cs typeface="Arial" panose="020B0604020202020204" pitchFamily="34" charset="0"/>
+              </a:endParaRPr>
             </a:p>
           </p:txBody>
         </p:sp>
         <p:sp>
           <p:nvSpPr>
-            <p:cNvPr id="22" name="Rectangle 21">
+            <p:cNvPr id="20" name="Rectangle 19">
+              <a:extLst>
+                <a:ext uri="{FF2B5EF4-FFF2-40B4-BE49-F238E27FC236}">
+                  <a16:creationId xmlns:a16="http://schemas.microsoft.com/office/drawing/2014/main" id="{BBA98C06-0C33-4C13-BE4B-B6A4FDDE5040}"/>
+                </a:ext>
+              </a:extLst>
+            </p:cNvPr>
+            <p:cNvSpPr/>
+            <p:nvPr/>
+          </p:nvSpPr>
+          <p:spPr>
+            <a:xfrm>
+              <a:off x="722480" y="379524"/>
+              <a:ext cx="368300" cy="1188720"/>
+            </a:xfrm>
+            <a:prstGeom prst="rect">
+              <a:avLst/>
+            </a:prstGeom>
+            <a:solidFill>
+              <a:srgbClr val="154360"/>
+            </a:solidFill>
+            <a:ln>
+              <a:noFill/>
+            </a:ln>
+          </p:spPr>
+          <p:style>
+            <a:lnRef idx="2">
+              <a:schemeClr val="accent1">
+                <a:shade val="50000"/>
+              </a:schemeClr>
+            </a:lnRef>
+            <a:fillRef idx="1">
+              <a:schemeClr val="accent1"/>
+            </a:fillRef>
+            <a:effectRef idx="0">
+              <a:schemeClr val="accent1"/>
+            </a:effectRef>
+            <a:fontRef idx="minor">
+              <a:schemeClr val="lt1"/>
+            </a:fontRef>
+          </p:style>
+          <p:txBody>
+            <a:bodyPr rtlCol="0" anchor="ctr"/>
+            <a:lstStyle/>
+            <a:p>
+              <a:pPr algn="ctr"/>
+              <a:endParaRPr lang="en-US" dirty="0"/>
+            </a:p>
+          </p:txBody>
+        </p:sp>
+        <p:sp>
+          <p:nvSpPr>
+            <p:cNvPr id="21" name="Rectangle 20">
+              <a:extLst>
+                <a:ext uri="{FF2B5EF4-FFF2-40B4-BE49-F238E27FC236}">
+                  <a16:creationId xmlns:a16="http://schemas.microsoft.com/office/drawing/2014/main" id="{E6947CE5-2A89-4809-91B8-BCB9B96917F1}"/>
+                </a:ext>
+              </a:extLst>
+            </p:cNvPr>
+            <p:cNvSpPr/>
+            <p:nvPr/>
+          </p:nvSpPr>
+          <p:spPr>
+            <a:xfrm>
+              <a:off x="1268580" y="1339644"/>
+              <a:ext cx="368300" cy="228600"/>
+            </a:xfrm>
+            <a:prstGeom prst="rect">
+              <a:avLst/>
+            </a:prstGeom>
+            <a:solidFill>
+              <a:srgbClr val="154360"/>
+            </a:solidFill>
+            <a:ln>
+              <a:noFill/>
+            </a:ln>
+          </p:spPr>
+          <p:style>
+            <a:lnRef idx="2">
+              <a:schemeClr val="accent1">
+                <a:shade val="50000"/>
+              </a:schemeClr>
+            </a:lnRef>
+            <a:fillRef idx="1">
+              <a:schemeClr val="accent1"/>
+            </a:fillRef>
+            <a:effectRef idx="0">
+              <a:schemeClr val="accent1"/>
+            </a:effectRef>
+            <a:fontRef idx="minor">
+              <a:schemeClr val="lt1"/>
+            </a:fontRef>
+          </p:style>
+          <p:txBody>
+            <a:bodyPr rtlCol="0" anchor="ctr"/>
+            <a:lstStyle/>
+            <a:p>
+              <a:pPr algn="ctr"/>
+              <a:endParaRPr lang="en-US" dirty="0"/>
+            </a:p>
+          </p:txBody>
+        </p:sp>
+      </p:grpSp>
+    </p:spTree>
+    <p:extLst>
+      <p:ext uri="{BB962C8B-B14F-4D97-AF65-F5344CB8AC3E}">
+        <p14:creationId xmlns:p14="http://schemas.microsoft.com/office/powerpoint/2010/main" val="2244746584"/>
+      </p:ext>
+    </p:extLst>
+  </p:cSld>
+  <p:clrMapOvr>
+    <a:masterClrMapping/>
+  </p:clrMapOvr>
+</p:sld>
+</file>
+
+<file path=ppt/slides/slide6.xml><?xml version="1.0" encoding="utf-8"?>
+<p:sld xmlns:a="http://schemas.openxmlformats.org/drawingml/2006/main" xmlns:r="http://schemas.openxmlformats.org/officeDocument/2006/relationships" xmlns:p="http://schemas.openxmlformats.org/presentationml/2006/main">
+  <p:cSld>
+    <p:spTree>
+      <p:nvGrpSpPr>
+        <p:cNvPr id="1" name=""/>
+        <p:cNvGrpSpPr/>
+        <p:nvPr/>
+      </p:nvGrpSpPr>
+      <p:grpSpPr>
+        <a:xfrm>
+          <a:off x="0" y="0"/>
+          <a:ext cx="0" cy="0"/>
+          <a:chOff x="0" y="0"/>
+          <a:chExt cx="0" cy="0"/>
+        </a:xfrm>
+      </p:grpSpPr>
+      <p:grpSp>
+        <p:nvGrpSpPr>
+          <p:cNvPr id="12" name="Group 11">
+            <a:extLst>
+              <a:ext uri="{FF2B5EF4-FFF2-40B4-BE49-F238E27FC236}">
+                <a16:creationId xmlns:a16="http://schemas.microsoft.com/office/drawing/2014/main" id="{18050CB6-289C-4E9D-9D23-4C11B5208B74}"/>
+              </a:ext>
+            </a:extLst>
+          </p:cNvPr>
+          <p:cNvGrpSpPr/>
+          <p:nvPr/>
+        </p:nvGrpSpPr>
+        <p:grpSpPr>
+          <a:xfrm>
+            <a:off x="181328" y="338667"/>
+            <a:ext cx="4114800" cy="2114831"/>
+            <a:chOff x="181328" y="338667"/>
+            <a:chExt cx="4114800" cy="2114831"/>
+          </a:xfrm>
+        </p:grpSpPr>
+        <p:cxnSp>
+          <p:nvCxnSpPr>
+            <p:cNvPr id="13" name="Connector: Curved 9">
+              <a:extLst>
+                <a:ext uri="{FF2B5EF4-FFF2-40B4-BE49-F238E27FC236}">
+                  <a16:creationId xmlns:a16="http://schemas.microsoft.com/office/drawing/2014/main" id="{0DD6A8D9-930F-4727-8B13-003C1FFF11B3}"/>
+                </a:ext>
+              </a:extLst>
+            </p:cNvPr>
+            <p:cNvCxnSpPr>
+              <a:cxnSpLocks/>
+              <a:stCxn id="21" idx="3"/>
+              <a:endCxn id="17" idx="1"/>
+            </p:cNvCxnSpPr>
+            <p:nvPr/>
+          </p:nvCxnSpPr>
+          <p:spPr>
+            <a:xfrm>
+              <a:off x="1090780" y="973884"/>
+              <a:ext cx="1709765" cy="474301"/>
+            </a:xfrm>
+            <a:prstGeom prst="curvedConnector3">
+              <a:avLst>
+                <a:gd name="adj1" fmla="val 50000"/>
+              </a:avLst>
+            </a:prstGeom>
+            <a:ln w="19050">
+              <a:solidFill>
+                <a:srgbClr val="439DD6"/>
+              </a:solidFill>
+              <a:tailEnd type="triangle"/>
+            </a:ln>
+          </p:spPr>
+          <p:style>
+            <a:lnRef idx="1">
+              <a:schemeClr val="accent1"/>
+            </a:lnRef>
+            <a:fillRef idx="0">
+              <a:schemeClr val="accent1"/>
+            </a:fillRef>
+            <a:effectRef idx="0">
+              <a:schemeClr val="accent1"/>
+            </a:effectRef>
+            <a:fontRef idx="minor">
+              <a:schemeClr val="tx1"/>
+            </a:fontRef>
+          </p:style>
+        </p:cxnSp>
+        <p:sp>
+          <p:nvSpPr>
+            <p:cNvPr id="14" name="Rectangle 13">
+              <a:extLst>
+                <a:ext uri="{FF2B5EF4-FFF2-40B4-BE49-F238E27FC236}">
+                  <a16:creationId xmlns:a16="http://schemas.microsoft.com/office/drawing/2014/main" id="{BACAFF53-DBE0-482F-AACF-E710B24B209B}"/>
+                </a:ext>
+              </a:extLst>
+            </p:cNvPr>
+            <p:cNvSpPr/>
+            <p:nvPr/>
+          </p:nvSpPr>
+          <p:spPr>
+            <a:xfrm>
+              <a:off x="181328" y="338667"/>
+              <a:ext cx="4114800" cy="2114831"/>
+            </a:xfrm>
+            <a:prstGeom prst="rect">
+              <a:avLst/>
+            </a:prstGeom>
+            <a:noFill/>
+            <a:ln>
+              <a:solidFill>
+                <a:srgbClr val="154360"/>
+              </a:solidFill>
+            </a:ln>
+          </p:spPr>
+          <p:style>
+            <a:lnRef idx="2">
+              <a:schemeClr val="accent1">
+                <a:shade val="50000"/>
+              </a:schemeClr>
+            </a:lnRef>
+            <a:fillRef idx="1">
+              <a:schemeClr val="accent1"/>
+            </a:fillRef>
+            <a:effectRef idx="0">
+              <a:schemeClr val="accent1"/>
+            </a:effectRef>
+            <a:fontRef idx="minor">
+              <a:schemeClr val="lt1"/>
+            </a:fontRef>
+          </p:style>
+          <p:txBody>
+            <a:bodyPr rtlCol="0" anchor="ctr"/>
+            <a:lstStyle/>
+            <a:p>
+              <a:pPr algn="ctr"/>
+              <a:endParaRPr lang="en-US"/>
+            </a:p>
+          </p:txBody>
+        </p:sp>
+        <p:sp>
+          <p:nvSpPr>
+            <p:cNvPr id="16" name="Text Box 2">
+              <a:extLst>
+                <a:ext uri="{FF2B5EF4-FFF2-40B4-BE49-F238E27FC236}">
+                  <a16:creationId xmlns:a16="http://schemas.microsoft.com/office/drawing/2014/main" id="{558A7475-B437-472F-9B6E-DA279885DC5A}"/>
+                </a:ext>
+              </a:extLst>
+            </p:cNvPr>
+            <p:cNvSpPr txBox="1">
+              <a:spLocks noChangeArrowheads="1"/>
+            </p:cNvSpPr>
+            <p:nvPr/>
+          </p:nvSpPr>
+          <p:spPr bwMode="auto">
+            <a:xfrm>
+              <a:off x="2350966" y="1458774"/>
+              <a:ext cx="1822449" cy="994724"/>
+            </a:xfrm>
+            <a:prstGeom prst="rect">
+              <a:avLst/>
+            </a:prstGeom>
+            <a:noFill/>
+            <a:ln w="9525">
+              <a:noFill/>
+              <a:miter lim="800000"/>
+              <a:headEnd/>
+              <a:tailEnd/>
+            </a:ln>
+          </p:spPr>
+          <p:txBody>
+            <a:bodyPr rot="0" vert="horz" wrap="square" lIns="91440" tIns="45720" rIns="91440" bIns="45720" anchor="t" anchorCtr="0">
+              <a:noAutofit/>
+            </a:bodyPr>
+            <a:lstStyle/>
+            <a:p>
+              <a:pPr marL="0" marR="0">
+                <a:lnSpc>
+                  <a:spcPct val="107000"/>
+                </a:lnSpc>
+                <a:spcBef>
+                  <a:spcPts val="0"/>
+                </a:spcBef>
+                <a:spcAft>
+                  <a:spcPts val="0"/>
+                </a:spcAft>
+              </a:pPr>
+              <a:r>
+                <a:rPr lang="en-US" sz="3000" b="1" dirty="0" smtClean="0">
+                  <a:latin typeface="Arial" panose="020B0604020202020204" pitchFamily="34" charset="0"/>
+                  <a:ea typeface="PMingLiU" panose="02020500000000000000" pitchFamily="18" charset="-120"/>
+                  <a:cs typeface="Arial" panose="020B0604020202020204" pitchFamily="34" charset="0"/>
+                </a:rPr>
+                <a:t>Under-</a:t>
+              </a:r>
+              <a:r>
+                <a:rPr lang="en-US" sz="3000" b="1" dirty="0" smtClean="0">
+                  <a:effectLst/>
+                  <a:latin typeface="Arial" panose="020B0604020202020204" pitchFamily="34" charset="0"/>
+                  <a:ea typeface="PMingLiU" panose="02020500000000000000" pitchFamily="18" charset="-120"/>
+                  <a:cs typeface="Arial" panose="020B0604020202020204" pitchFamily="34" charset="0"/>
+                </a:rPr>
+                <a:t>sampled</a:t>
+              </a:r>
+              <a:endParaRPr lang="en-US" sz="3000" b="1" dirty="0">
+                <a:effectLst/>
+                <a:latin typeface="Arial" panose="020B0604020202020204" pitchFamily="34" charset="0"/>
+                <a:ea typeface="PMingLiU" panose="02020500000000000000" pitchFamily="18" charset="-120"/>
+                <a:cs typeface="Arial" panose="020B0604020202020204" pitchFamily="34" charset="0"/>
+              </a:endParaRPr>
+            </a:p>
+          </p:txBody>
+        </p:sp>
+        <p:sp>
+          <p:nvSpPr>
+            <p:cNvPr id="17" name="Rectangle 16">
               <a:extLst>
                 <a:ext uri="{FF2B5EF4-FFF2-40B4-BE49-F238E27FC236}">
                   <a16:creationId xmlns:a16="http://schemas.microsoft.com/office/drawing/2014/main" id="{679F71AD-1A4C-4AA8-A6C9-189A0AE4652A}"/>
@@ -15223,7 +15045,7 @@
           </p:nvSpPr>
           <p:spPr>
             <a:xfrm>
-              <a:off x="2767720" y="1859149"/>
+              <a:off x="2800545" y="1333402"/>
               <a:ext cx="368300" cy="229566"/>
             </a:xfrm>
             <a:prstGeom prst="rect">
@@ -15263,7 +15085,7 @@
         </p:sp>
         <p:sp>
           <p:nvSpPr>
-            <p:cNvPr id="23" name="Rectangle 22">
+            <p:cNvPr id="18" name="Rectangle 17">
               <a:extLst>
                 <a:ext uri="{FF2B5EF4-FFF2-40B4-BE49-F238E27FC236}">
                   <a16:creationId xmlns:a16="http://schemas.microsoft.com/office/drawing/2014/main" id="{7406FC64-837E-4D27-A301-7DCC715EF9A1}"/>
@@ -15275,7 +15097,7 @@
           </p:nvSpPr>
           <p:spPr>
             <a:xfrm>
-              <a:off x="3325709" y="1860115"/>
+              <a:off x="3358534" y="1334368"/>
               <a:ext cx="368300" cy="228600"/>
             </a:xfrm>
             <a:prstGeom prst="rect">
@@ -15315,7 +15137,7 @@
         </p:sp>
         <p:sp>
           <p:nvSpPr>
-            <p:cNvPr id="25" name="Text Box 2">
+            <p:cNvPr id="20" name="Text Box 2">
               <a:extLst>
                 <a:ext uri="{FF2B5EF4-FFF2-40B4-BE49-F238E27FC236}">
                   <a16:creationId xmlns:a16="http://schemas.microsoft.com/office/drawing/2014/main" id="{46A41402-4FF8-4AAE-B9F3-6564DAB3DB85}"/>
@@ -15329,8 +15151,8 @@
           </p:nvSpPr>
           <p:spPr bwMode="auto">
             <a:xfrm>
-              <a:off x="368898" y="2093991"/>
-              <a:ext cx="1522118" cy="360550"/>
+              <a:off x="460071" y="1490204"/>
+              <a:ext cx="1631006" cy="901304"/>
             </a:xfrm>
             <a:prstGeom prst="rect">
               <a:avLst/>
@@ -15361,10 +15183,7 @@
                 </a:spcAft>
               </a:pPr>
               <a:r>
-                <a:rPr lang="en-US" dirty="0">
-                  <a:solidFill>
-                    <a:srgbClr val="154360"/>
-                  </a:solidFill>
+                <a:rPr lang="en-US" sz="3000" b="1" dirty="0" smtClean="0">
                   <a:effectLst/>
                   <a:latin typeface="Arial" panose="020B0604020202020204" pitchFamily="34" charset="0"/>
                   <a:ea typeface="PMingLiU" panose="02020500000000000000" pitchFamily="18" charset="-120"/>
@@ -15372,12 +15191,18 @@
                 </a:rPr>
                 <a:t>Original Data</a:t>
               </a:r>
+              <a:endParaRPr lang="en-US" sz="3000" b="1" dirty="0">
+                <a:effectLst/>
+                <a:latin typeface="Arial" panose="020B0604020202020204" pitchFamily="34" charset="0"/>
+                <a:ea typeface="PMingLiU" panose="02020500000000000000" pitchFamily="18" charset="-120"/>
+                <a:cs typeface="Arial" panose="020B0604020202020204" pitchFamily="34" charset="0"/>
+              </a:endParaRPr>
             </a:p>
           </p:txBody>
         </p:sp>
         <p:sp>
           <p:nvSpPr>
-            <p:cNvPr id="26" name="Rectangle 25">
+            <p:cNvPr id="21" name="Rectangle 20">
               <a:extLst>
                 <a:ext uri="{FF2B5EF4-FFF2-40B4-BE49-F238E27FC236}">
                   <a16:creationId xmlns:a16="http://schemas.microsoft.com/office/drawing/2014/main" id="{BBA98C06-0C33-4C13-BE4B-B6A4FDDE5040}"/>
@@ -15389,7 +15214,7 @@
           </p:nvSpPr>
           <p:spPr>
             <a:xfrm>
-              <a:off x="689655" y="905271"/>
+              <a:off x="722480" y="379524"/>
               <a:ext cx="368300" cy="1188720"/>
             </a:xfrm>
             <a:prstGeom prst="rect">
@@ -15429,7 +15254,7 @@
         </p:sp>
         <p:sp>
           <p:nvSpPr>
-            <p:cNvPr id="27" name="Rectangle 26">
+            <p:cNvPr id="24" name="Rectangle 23">
               <a:extLst>
                 <a:ext uri="{FF2B5EF4-FFF2-40B4-BE49-F238E27FC236}">
                   <a16:creationId xmlns:a16="http://schemas.microsoft.com/office/drawing/2014/main" id="{E6947CE5-2A89-4809-91B8-BCB9B96917F1}"/>
@@ -15441,7 +15266,7 @@
           </p:nvSpPr>
           <p:spPr>
             <a:xfrm>
-              <a:off x="1235755" y="1865391"/>
+              <a:off x="1268580" y="1339644"/>
               <a:ext cx="368300" cy="228600"/>
             </a:xfrm>
             <a:prstGeom prst="rect">
@@ -15512,10 +15337,1193 @@
       </p:grpSpPr>
       <p:grpSp>
         <p:nvGrpSpPr>
-          <p:cNvPr id="2" name="Group 1">
+          <p:cNvPr id="3" name="Group 2"/>
+          <p:cNvGrpSpPr/>
+          <p:nvPr/>
+        </p:nvGrpSpPr>
+        <p:grpSpPr>
+          <a:xfrm>
+            <a:off x="181328" y="338667"/>
+            <a:ext cx="4114800" cy="2114831"/>
+            <a:chOff x="181328" y="338667"/>
+            <a:chExt cx="4114800" cy="2114831"/>
+          </a:xfrm>
+        </p:grpSpPr>
+        <p:grpSp>
+          <p:nvGrpSpPr>
+            <p:cNvPr id="2" name="Group 1">
+              <a:extLst>
+                <a:ext uri="{FF2B5EF4-FFF2-40B4-BE49-F238E27FC236}">
+                  <a16:creationId xmlns:a16="http://schemas.microsoft.com/office/drawing/2014/main" id="{72125F1F-D1CD-49EE-8B36-86439DDAF8B5}"/>
+                </a:ext>
+              </a:extLst>
+            </p:cNvPr>
+            <p:cNvGrpSpPr/>
+            <p:nvPr/>
+          </p:nvGrpSpPr>
+          <p:grpSpPr>
+            <a:xfrm>
+              <a:off x="1621445" y="379524"/>
+              <a:ext cx="2072306" cy="1202509"/>
+              <a:chOff x="1604055" y="886206"/>
+              <a:chExt cx="2072306" cy="1202509"/>
+            </a:xfrm>
+          </p:grpSpPr>
+          <p:sp>
+            <p:nvSpPr>
+              <p:cNvPr id="25" name="Rectangle 24">
+                <a:extLst>
+                  <a:ext uri="{FF2B5EF4-FFF2-40B4-BE49-F238E27FC236}">
+                    <a16:creationId xmlns:a16="http://schemas.microsoft.com/office/drawing/2014/main" id="{E2C46F6D-925A-4E5A-8636-F1BAE9707A42}"/>
+                  </a:ext>
+                </a:extLst>
+              </p:cNvPr>
+              <p:cNvSpPr/>
+              <p:nvPr/>
+            </p:nvSpPr>
+            <p:spPr>
+              <a:xfrm>
+                <a:off x="2767720" y="886206"/>
+                <a:ext cx="368300" cy="1005984"/>
+              </a:xfrm>
+              <a:prstGeom prst="rect">
+                <a:avLst/>
+              </a:prstGeom>
+              <a:solidFill>
+                <a:srgbClr val="F88000"/>
+              </a:solidFill>
+              <a:ln>
+                <a:noFill/>
+              </a:ln>
+            </p:spPr>
+            <p:style>
+              <a:lnRef idx="2">
+                <a:schemeClr val="accent1">
+                  <a:shade val="50000"/>
+                </a:schemeClr>
+              </a:lnRef>
+              <a:fillRef idx="1">
+                <a:schemeClr val="accent1"/>
+              </a:fillRef>
+              <a:effectRef idx="0">
+                <a:schemeClr val="accent1"/>
+              </a:effectRef>
+              <a:fontRef idx="minor">
+                <a:schemeClr val="lt1"/>
+              </a:fontRef>
+            </p:style>
+            <p:txBody>
+              <a:bodyPr rtlCol="0" anchor="ctr"/>
+              <a:lstStyle/>
+              <a:p>
+                <a:pPr algn="ctr"/>
+                <a:endParaRPr lang="en-US" dirty="0"/>
+              </a:p>
+            </p:txBody>
+          </p:sp>
+          <p:sp>
+            <p:nvSpPr>
+              <p:cNvPr id="28" name="Rectangle 27">
+                <a:extLst>
+                  <a:ext uri="{FF2B5EF4-FFF2-40B4-BE49-F238E27FC236}">
+                    <a16:creationId xmlns:a16="http://schemas.microsoft.com/office/drawing/2014/main" id="{DE2F116F-2059-40CF-949B-987FDA00E318}"/>
+                  </a:ext>
+                </a:extLst>
+              </p:cNvPr>
+              <p:cNvSpPr/>
+              <p:nvPr/>
+            </p:nvSpPr>
+            <p:spPr>
+              <a:xfrm>
+                <a:off x="2767720" y="1859149"/>
+                <a:ext cx="368300" cy="229566"/>
+              </a:xfrm>
+              <a:prstGeom prst="rect">
+                <a:avLst/>
+              </a:prstGeom>
+              <a:solidFill>
+                <a:srgbClr val="154360"/>
+              </a:solidFill>
+              <a:ln>
+                <a:noFill/>
+              </a:ln>
+            </p:spPr>
+            <p:style>
+              <a:lnRef idx="2">
+                <a:schemeClr val="accent1">
+                  <a:shade val="50000"/>
+                </a:schemeClr>
+              </a:lnRef>
+              <a:fillRef idx="1">
+                <a:schemeClr val="accent1"/>
+              </a:fillRef>
+              <a:effectRef idx="0">
+                <a:schemeClr val="accent1"/>
+              </a:effectRef>
+              <a:fontRef idx="minor">
+                <a:schemeClr val="lt1"/>
+              </a:fontRef>
+            </p:style>
+            <p:txBody>
+              <a:bodyPr rtlCol="0" anchor="ctr"/>
+              <a:lstStyle/>
+              <a:p>
+                <a:pPr algn="ctr"/>
+                <a:endParaRPr lang="en-US" dirty="0"/>
+              </a:p>
+            </p:txBody>
+          </p:sp>
+          <p:sp>
+            <p:nvSpPr>
+              <p:cNvPr id="29" name="Rectangle 28">
+                <a:extLst>
+                  <a:ext uri="{FF2B5EF4-FFF2-40B4-BE49-F238E27FC236}">
+                    <a16:creationId xmlns:a16="http://schemas.microsoft.com/office/drawing/2014/main" id="{CCE264E6-BFF4-4B57-BC47-3FF989C9FD09}"/>
+                  </a:ext>
+                </a:extLst>
+              </p:cNvPr>
+              <p:cNvSpPr/>
+              <p:nvPr/>
+            </p:nvSpPr>
+            <p:spPr>
+              <a:xfrm>
+                <a:off x="3308061" y="892553"/>
+                <a:ext cx="368300" cy="1193741"/>
+              </a:xfrm>
+              <a:prstGeom prst="rect">
+                <a:avLst/>
+              </a:prstGeom>
+              <a:solidFill>
+                <a:srgbClr val="154360"/>
+              </a:solidFill>
+              <a:ln>
+                <a:noFill/>
+              </a:ln>
+            </p:spPr>
+            <p:style>
+              <a:lnRef idx="2">
+                <a:schemeClr val="accent1">
+                  <a:shade val="50000"/>
+                </a:schemeClr>
+              </a:lnRef>
+              <a:fillRef idx="1">
+                <a:schemeClr val="accent1"/>
+              </a:fillRef>
+              <a:effectRef idx="0">
+                <a:schemeClr val="accent1"/>
+              </a:effectRef>
+              <a:fontRef idx="minor">
+                <a:schemeClr val="lt1"/>
+              </a:fontRef>
+            </p:style>
+            <p:txBody>
+              <a:bodyPr rtlCol="0" anchor="ctr"/>
+              <a:lstStyle/>
+              <a:p>
+                <a:pPr algn="ctr"/>
+                <a:endParaRPr lang="en-US" dirty="0"/>
+              </a:p>
+            </p:txBody>
+          </p:sp>
+          <p:cxnSp>
+            <p:nvCxnSpPr>
+              <p:cNvPr id="30" name="Connector: Curved 29">
+                <a:extLst>
+                  <a:ext uri="{FF2B5EF4-FFF2-40B4-BE49-F238E27FC236}">
+                    <a16:creationId xmlns:a16="http://schemas.microsoft.com/office/drawing/2014/main" id="{3233D393-4BBC-4DC9-AC95-82A06FBFB95D}"/>
+                  </a:ext>
+                </a:extLst>
+              </p:cNvPr>
+              <p:cNvCxnSpPr>
+                <a:cxnSpLocks/>
+                <a:endCxn id="25" idx="1"/>
+              </p:cNvCxnSpPr>
+              <p:nvPr/>
+            </p:nvCxnSpPr>
+            <p:spPr>
+              <a:xfrm flipV="1">
+                <a:off x="1604055" y="1389198"/>
+                <a:ext cx="1163665" cy="590493"/>
+              </a:xfrm>
+              <a:prstGeom prst="curvedConnector3">
+                <a:avLst>
+                  <a:gd name="adj1" fmla="val 50000"/>
+                </a:avLst>
+              </a:prstGeom>
+              <a:ln w="19050">
+                <a:solidFill>
+                  <a:srgbClr val="F88000"/>
+                </a:solidFill>
+                <a:tailEnd type="triangle"/>
+              </a:ln>
+            </p:spPr>
+            <p:style>
+              <a:lnRef idx="1">
+                <a:schemeClr val="accent1"/>
+              </a:lnRef>
+              <a:fillRef idx="0">
+                <a:schemeClr val="accent1"/>
+              </a:fillRef>
+              <a:effectRef idx="0">
+                <a:schemeClr val="accent1"/>
+              </a:effectRef>
+              <a:fontRef idx="minor">
+                <a:schemeClr val="tx1"/>
+              </a:fontRef>
+            </p:style>
+          </p:cxnSp>
+        </p:grpSp>
+        <p:grpSp>
+          <p:nvGrpSpPr>
+            <p:cNvPr id="13" name="Group 12">
+              <a:extLst>
+                <a:ext uri="{FF2B5EF4-FFF2-40B4-BE49-F238E27FC236}">
+                  <a16:creationId xmlns:a16="http://schemas.microsoft.com/office/drawing/2014/main" id="{18050CB6-289C-4E9D-9D23-4C11B5208B74}"/>
+                </a:ext>
+              </a:extLst>
+            </p:cNvPr>
+            <p:cNvGrpSpPr/>
+            <p:nvPr/>
+          </p:nvGrpSpPr>
+          <p:grpSpPr>
+            <a:xfrm>
+              <a:off x="181328" y="338667"/>
+              <a:ext cx="4114800" cy="2114831"/>
+              <a:chOff x="181328" y="338667"/>
+              <a:chExt cx="4114800" cy="2114831"/>
+            </a:xfrm>
+          </p:grpSpPr>
+          <p:sp>
+            <p:nvSpPr>
+              <p:cNvPr id="15" name="Rectangle 14">
+                <a:extLst>
+                  <a:ext uri="{FF2B5EF4-FFF2-40B4-BE49-F238E27FC236}">
+                    <a16:creationId xmlns:a16="http://schemas.microsoft.com/office/drawing/2014/main" id="{BACAFF53-DBE0-482F-AACF-E710B24B209B}"/>
+                  </a:ext>
+                </a:extLst>
+              </p:cNvPr>
+              <p:cNvSpPr/>
+              <p:nvPr/>
+            </p:nvSpPr>
+            <p:spPr>
+              <a:xfrm>
+                <a:off x="181328" y="338667"/>
+                <a:ext cx="4114800" cy="2114831"/>
+              </a:xfrm>
+              <a:prstGeom prst="rect">
+                <a:avLst/>
+              </a:prstGeom>
+              <a:noFill/>
+              <a:ln>
+                <a:solidFill>
+                  <a:srgbClr val="154360"/>
+                </a:solidFill>
+              </a:ln>
+            </p:spPr>
+            <p:style>
+              <a:lnRef idx="2">
+                <a:schemeClr val="accent1">
+                  <a:shade val="50000"/>
+                </a:schemeClr>
+              </a:lnRef>
+              <a:fillRef idx="1">
+                <a:schemeClr val="accent1"/>
+              </a:fillRef>
+              <a:effectRef idx="0">
+                <a:schemeClr val="accent1"/>
+              </a:effectRef>
+              <a:fontRef idx="minor">
+                <a:schemeClr val="lt1"/>
+              </a:fontRef>
+            </p:style>
+            <p:txBody>
+              <a:bodyPr rtlCol="0" anchor="ctr"/>
+              <a:lstStyle/>
+              <a:p>
+                <a:pPr algn="ctr"/>
+                <a:endParaRPr lang="en-US"/>
+              </a:p>
+            </p:txBody>
+          </p:sp>
+          <p:sp>
+            <p:nvSpPr>
+              <p:cNvPr id="16" name="Text Box 2">
+                <a:extLst>
+                  <a:ext uri="{FF2B5EF4-FFF2-40B4-BE49-F238E27FC236}">
+                    <a16:creationId xmlns:a16="http://schemas.microsoft.com/office/drawing/2014/main" id="{558A7475-B437-472F-9B6E-DA279885DC5A}"/>
+                  </a:ext>
+                </a:extLst>
+              </p:cNvPr>
+              <p:cNvSpPr txBox="1">
+                <a:spLocks noChangeArrowheads="1"/>
+              </p:cNvSpPr>
+              <p:nvPr/>
+            </p:nvSpPr>
+            <p:spPr bwMode="auto">
+              <a:xfrm>
+                <a:off x="2350966" y="1458774"/>
+                <a:ext cx="1822449" cy="994724"/>
+              </a:xfrm>
+              <a:prstGeom prst="rect">
+                <a:avLst/>
+              </a:prstGeom>
+              <a:noFill/>
+              <a:ln w="9525">
+                <a:noFill/>
+                <a:miter lim="800000"/>
+                <a:headEnd/>
+                <a:tailEnd/>
+              </a:ln>
+            </p:spPr>
+            <p:txBody>
+              <a:bodyPr rot="0" vert="horz" wrap="square" lIns="91440" tIns="45720" rIns="91440" bIns="45720" anchor="t" anchorCtr="0">
+                <a:noAutofit/>
+              </a:bodyPr>
+              <a:lstStyle/>
+              <a:p>
+                <a:pPr marL="0" marR="0">
+                  <a:lnSpc>
+                    <a:spcPct val="107000"/>
+                  </a:lnSpc>
+                  <a:spcBef>
+                    <a:spcPts val="0"/>
+                  </a:spcBef>
+                  <a:spcAft>
+                    <a:spcPts val="0"/>
+                  </a:spcAft>
+                </a:pPr>
+                <a:r>
+                  <a:rPr lang="en-US" sz="3000" b="1" dirty="0" smtClean="0">
+                    <a:latin typeface="Arial" panose="020B0604020202020204" pitchFamily="34" charset="0"/>
+                    <a:ea typeface="PMingLiU" panose="02020500000000000000" pitchFamily="18" charset="-120"/>
+                    <a:cs typeface="Arial" panose="020B0604020202020204" pitchFamily="34" charset="0"/>
+                  </a:rPr>
+                  <a:t>Over</a:t>
+                </a:r>
+                <a:r>
+                  <a:rPr lang="en-US" sz="3000" b="1" dirty="0" smtClean="0">
+                    <a:latin typeface="Arial" panose="020B0604020202020204" pitchFamily="34" charset="0"/>
+                    <a:ea typeface="PMingLiU" panose="02020500000000000000" pitchFamily="18" charset="-120"/>
+                    <a:cs typeface="Arial" panose="020B0604020202020204" pitchFamily="34" charset="0"/>
+                  </a:rPr>
+                  <a:t>-</a:t>
+                </a:r>
+                <a:r>
+                  <a:rPr lang="en-US" sz="3000" b="1" dirty="0" smtClean="0">
+                    <a:effectLst/>
+                    <a:latin typeface="Arial" panose="020B0604020202020204" pitchFamily="34" charset="0"/>
+                    <a:ea typeface="PMingLiU" panose="02020500000000000000" pitchFamily="18" charset="-120"/>
+                    <a:cs typeface="Arial" panose="020B0604020202020204" pitchFamily="34" charset="0"/>
+                  </a:rPr>
+                  <a:t>sampled</a:t>
+                </a:r>
+                <a:endParaRPr lang="en-US" sz="3000" b="1" dirty="0">
+                  <a:effectLst/>
+                  <a:latin typeface="Arial" panose="020B0604020202020204" pitchFamily="34" charset="0"/>
+                  <a:ea typeface="PMingLiU" panose="02020500000000000000" pitchFamily="18" charset="-120"/>
+                  <a:cs typeface="Arial" panose="020B0604020202020204" pitchFamily="34" charset="0"/>
+                </a:endParaRPr>
+              </a:p>
+            </p:txBody>
+          </p:sp>
+          <p:sp>
+            <p:nvSpPr>
+              <p:cNvPr id="19" name="Text Box 2">
+                <a:extLst>
+                  <a:ext uri="{FF2B5EF4-FFF2-40B4-BE49-F238E27FC236}">
+                    <a16:creationId xmlns:a16="http://schemas.microsoft.com/office/drawing/2014/main" id="{46A41402-4FF8-4AAE-B9F3-6564DAB3DB85}"/>
+                  </a:ext>
+                </a:extLst>
+              </p:cNvPr>
+              <p:cNvSpPr txBox="1">
+                <a:spLocks noChangeArrowheads="1"/>
+              </p:cNvSpPr>
+              <p:nvPr/>
+            </p:nvSpPr>
+            <p:spPr bwMode="auto">
+              <a:xfrm>
+                <a:off x="460071" y="1490204"/>
+                <a:ext cx="1631006" cy="901304"/>
+              </a:xfrm>
+              <a:prstGeom prst="rect">
+                <a:avLst/>
+              </a:prstGeom>
+              <a:noFill/>
+              <a:ln w="9525">
+                <a:noFill/>
+                <a:miter lim="800000"/>
+                <a:headEnd/>
+                <a:tailEnd/>
+              </a:ln>
+            </p:spPr>
+            <p:txBody>
+              <a:bodyPr rot="0" vert="horz" wrap="square" lIns="91440" tIns="45720" rIns="91440" bIns="45720" anchor="t" anchorCtr="0">
+                <a:noAutofit/>
+              </a:bodyPr>
+              <a:lstStyle/>
+              <a:p>
+                <a:pPr marL="0" marR="0">
+                  <a:lnSpc>
+                    <a:spcPct val="107000"/>
+                  </a:lnSpc>
+                  <a:spcBef>
+                    <a:spcPts val="0"/>
+                  </a:spcBef>
+                  <a:spcAft>
+                    <a:spcPts val="0"/>
+                  </a:spcAft>
+                </a:pPr>
+                <a:r>
+                  <a:rPr lang="en-US" sz="3000" b="1" dirty="0" smtClean="0">
+                    <a:effectLst/>
+                    <a:latin typeface="Arial" panose="020B0604020202020204" pitchFamily="34" charset="0"/>
+                    <a:ea typeface="PMingLiU" panose="02020500000000000000" pitchFamily="18" charset="-120"/>
+                    <a:cs typeface="Arial" panose="020B0604020202020204" pitchFamily="34" charset="0"/>
+                  </a:rPr>
+                  <a:t>Original Data</a:t>
+                </a:r>
+                <a:endParaRPr lang="en-US" sz="3000" b="1" dirty="0">
+                  <a:effectLst/>
+                  <a:latin typeface="Arial" panose="020B0604020202020204" pitchFamily="34" charset="0"/>
+                  <a:ea typeface="PMingLiU" panose="02020500000000000000" pitchFamily="18" charset="-120"/>
+                  <a:cs typeface="Arial" panose="020B0604020202020204" pitchFamily="34" charset="0"/>
+                </a:endParaRPr>
+              </a:p>
+            </p:txBody>
+          </p:sp>
+          <p:sp>
+            <p:nvSpPr>
+              <p:cNvPr id="20" name="Rectangle 19">
+                <a:extLst>
+                  <a:ext uri="{FF2B5EF4-FFF2-40B4-BE49-F238E27FC236}">
+                    <a16:creationId xmlns:a16="http://schemas.microsoft.com/office/drawing/2014/main" id="{BBA98C06-0C33-4C13-BE4B-B6A4FDDE5040}"/>
+                  </a:ext>
+                </a:extLst>
+              </p:cNvPr>
+              <p:cNvSpPr/>
+              <p:nvPr/>
+            </p:nvSpPr>
+            <p:spPr>
+              <a:xfrm>
+                <a:off x="722480" y="379524"/>
+                <a:ext cx="368300" cy="1188720"/>
+              </a:xfrm>
+              <a:prstGeom prst="rect">
+                <a:avLst/>
+              </a:prstGeom>
+              <a:solidFill>
+                <a:srgbClr val="154360"/>
+              </a:solidFill>
+              <a:ln>
+                <a:noFill/>
+              </a:ln>
+            </p:spPr>
+            <p:style>
+              <a:lnRef idx="2">
+                <a:schemeClr val="accent1">
+                  <a:shade val="50000"/>
+                </a:schemeClr>
+              </a:lnRef>
+              <a:fillRef idx="1">
+                <a:schemeClr val="accent1"/>
+              </a:fillRef>
+              <a:effectRef idx="0">
+                <a:schemeClr val="accent1"/>
+              </a:effectRef>
+              <a:fontRef idx="minor">
+                <a:schemeClr val="lt1"/>
+              </a:fontRef>
+            </p:style>
+            <p:txBody>
+              <a:bodyPr rtlCol="0" anchor="ctr"/>
+              <a:lstStyle/>
+              <a:p>
+                <a:pPr algn="ctr"/>
+                <a:endParaRPr lang="en-US" dirty="0"/>
+              </a:p>
+            </p:txBody>
+          </p:sp>
+          <p:sp>
+            <p:nvSpPr>
+              <p:cNvPr id="21" name="Rectangle 20">
+                <a:extLst>
+                  <a:ext uri="{FF2B5EF4-FFF2-40B4-BE49-F238E27FC236}">
+                    <a16:creationId xmlns:a16="http://schemas.microsoft.com/office/drawing/2014/main" id="{E6947CE5-2A89-4809-91B8-BCB9B96917F1}"/>
+                  </a:ext>
+                </a:extLst>
+              </p:cNvPr>
+              <p:cNvSpPr/>
+              <p:nvPr/>
+            </p:nvSpPr>
+            <p:spPr>
+              <a:xfrm>
+                <a:off x="1268580" y="1339644"/>
+                <a:ext cx="368300" cy="228600"/>
+              </a:xfrm>
+              <a:prstGeom prst="rect">
+                <a:avLst/>
+              </a:prstGeom>
+              <a:solidFill>
+                <a:srgbClr val="154360"/>
+              </a:solidFill>
+              <a:ln>
+                <a:noFill/>
+              </a:ln>
+            </p:spPr>
+            <p:style>
+              <a:lnRef idx="2">
+                <a:schemeClr val="accent1">
+                  <a:shade val="50000"/>
+                </a:schemeClr>
+              </a:lnRef>
+              <a:fillRef idx="1">
+                <a:schemeClr val="accent1"/>
+              </a:fillRef>
+              <a:effectRef idx="0">
+                <a:schemeClr val="accent1"/>
+              </a:effectRef>
+              <a:fontRef idx="minor">
+                <a:schemeClr val="lt1"/>
+              </a:fontRef>
+            </p:style>
+            <p:txBody>
+              <a:bodyPr rtlCol="0" anchor="ctr"/>
+              <a:lstStyle/>
+              <a:p>
+                <a:pPr algn="ctr"/>
+                <a:endParaRPr lang="en-US" dirty="0"/>
+              </a:p>
+            </p:txBody>
+          </p:sp>
+        </p:grpSp>
+      </p:grpSp>
+    </p:spTree>
+    <p:extLst>
+      <p:ext uri="{BB962C8B-B14F-4D97-AF65-F5344CB8AC3E}">
+        <p14:creationId xmlns:p14="http://schemas.microsoft.com/office/powerpoint/2010/main" val="3514060367"/>
+      </p:ext>
+    </p:extLst>
+  </p:cSld>
+  <p:clrMapOvr>
+    <a:masterClrMapping/>
+  </p:clrMapOvr>
+</p:sld>
+</file>
+
+<file path=ppt/slides/slide8.xml><?xml version="1.0" encoding="utf-8"?>
+<p:sld xmlns:a="http://schemas.openxmlformats.org/drawingml/2006/main" xmlns:r="http://schemas.openxmlformats.org/officeDocument/2006/relationships" xmlns:p="http://schemas.openxmlformats.org/presentationml/2006/main">
+  <p:cSld>
+    <p:spTree>
+      <p:nvGrpSpPr>
+        <p:cNvPr id="1" name=""/>
+        <p:cNvGrpSpPr/>
+        <p:nvPr/>
+      </p:nvGrpSpPr>
+      <p:grpSpPr>
+        <a:xfrm>
+          <a:off x="0" y="0"/>
+          <a:ext cx="0" cy="0"/>
+          <a:chOff x="0" y="0"/>
+          <a:chExt cx="0" cy="0"/>
+        </a:xfrm>
+      </p:grpSpPr>
+      <p:grpSp>
+        <p:nvGrpSpPr>
+          <p:cNvPr id="17" name="Group 16"/>
+          <p:cNvGrpSpPr/>
+          <p:nvPr/>
+        </p:nvGrpSpPr>
+        <p:grpSpPr>
+          <a:xfrm>
+            <a:off x="181328" y="338667"/>
+            <a:ext cx="4114800" cy="2114831"/>
+            <a:chOff x="181328" y="338667"/>
+            <a:chExt cx="4114800" cy="2114831"/>
+          </a:xfrm>
+        </p:grpSpPr>
+        <p:grpSp>
+          <p:nvGrpSpPr>
+            <p:cNvPr id="19" name="Group 18">
+              <a:extLst>
+                <a:ext uri="{FF2B5EF4-FFF2-40B4-BE49-F238E27FC236}">
+                  <a16:creationId xmlns:a16="http://schemas.microsoft.com/office/drawing/2014/main" id="{72125F1F-D1CD-49EE-8B36-86439DDAF8B5}"/>
+                </a:ext>
+              </a:extLst>
+            </p:cNvPr>
+            <p:cNvGrpSpPr/>
+            <p:nvPr/>
+          </p:nvGrpSpPr>
+          <p:grpSpPr>
+            <a:xfrm>
+              <a:off x="1621445" y="379524"/>
+              <a:ext cx="2072306" cy="1202509"/>
+              <a:chOff x="1604055" y="886206"/>
+              <a:chExt cx="2072306" cy="1202509"/>
+            </a:xfrm>
+          </p:grpSpPr>
+          <p:sp>
+            <p:nvSpPr>
+              <p:cNvPr id="27" name="Rectangle 26">
+                <a:extLst>
+                  <a:ext uri="{FF2B5EF4-FFF2-40B4-BE49-F238E27FC236}">
+                    <a16:creationId xmlns:a16="http://schemas.microsoft.com/office/drawing/2014/main" id="{E2C46F6D-925A-4E5A-8636-F1BAE9707A42}"/>
+                  </a:ext>
+                </a:extLst>
+              </p:cNvPr>
+              <p:cNvSpPr/>
+              <p:nvPr/>
+            </p:nvSpPr>
+            <p:spPr>
+              <a:xfrm>
+                <a:off x="2767720" y="886206"/>
+                <a:ext cx="368300" cy="1005984"/>
+              </a:xfrm>
+              <a:prstGeom prst="rect">
+                <a:avLst/>
+              </a:prstGeom>
+              <a:solidFill>
+                <a:srgbClr val="F88000"/>
+              </a:solidFill>
+              <a:ln>
+                <a:noFill/>
+              </a:ln>
+            </p:spPr>
+            <p:style>
+              <a:lnRef idx="2">
+                <a:schemeClr val="accent1">
+                  <a:shade val="50000"/>
+                </a:schemeClr>
+              </a:lnRef>
+              <a:fillRef idx="1">
+                <a:schemeClr val="accent1"/>
+              </a:fillRef>
+              <a:effectRef idx="0">
+                <a:schemeClr val="accent1"/>
+              </a:effectRef>
+              <a:fontRef idx="minor">
+                <a:schemeClr val="lt1"/>
+              </a:fontRef>
+            </p:style>
+            <p:txBody>
+              <a:bodyPr rtlCol="0" anchor="ctr"/>
+              <a:lstStyle/>
+              <a:p>
+                <a:pPr algn="ctr"/>
+                <a:endParaRPr lang="en-US" dirty="0"/>
+              </a:p>
+            </p:txBody>
+          </p:sp>
+          <p:sp>
+            <p:nvSpPr>
+              <p:cNvPr id="28" name="Rectangle 27">
+                <a:extLst>
+                  <a:ext uri="{FF2B5EF4-FFF2-40B4-BE49-F238E27FC236}">
+                    <a16:creationId xmlns:a16="http://schemas.microsoft.com/office/drawing/2014/main" id="{DE2F116F-2059-40CF-949B-987FDA00E318}"/>
+                  </a:ext>
+                </a:extLst>
+              </p:cNvPr>
+              <p:cNvSpPr/>
+              <p:nvPr/>
+            </p:nvSpPr>
+            <p:spPr>
+              <a:xfrm>
+                <a:off x="2767720" y="1859149"/>
+                <a:ext cx="368300" cy="229566"/>
+              </a:xfrm>
+              <a:prstGeom prst="rect">
+                <a:avLst/>
+              </a:prstGeom>
+              <a:solidFill>
+                <a:srgbClr val="154360"/>
+              </a:solidFill>
+              <a:ln>
+                <a:noFill/>
+              </a:ln>
+            </p:spPr>
+            <p:style>
+              <a:lnRef idx="2">
+                <a:schemeClr val="accent1">
+                  <a:shade val="50000"/>
+                </a:schemeClr>
+              </a:lnRef>
+              <a:fillRef idx="1">
+                <a:schemeClr val="accent1"/>
+              </a:fillRef>
+              <a:effectRef idx="0">
+                <a:schemeClr val="accent1"/>
+              </a:effectRef>
+              <a:fontRef idx="minor">
+                <a:schemeClr val="lt1"/>
+              </a:fontRef>
+            </p:style>
+            <p:txBody>
+              <a:bodyPr rtlCol="0" anchor="ctr"/>
+              <a:lstStyle/>
+              <a:p>
+                <a:pPr algn="ctr"/>
+                <a:endParaRPr lang="en-US" dirty="0"/>
+              </a:p>
+            </p:txBody>
+          </p:sp>
+          <p:sp>
+            <p:nvSpPr>
+              <p:cNvPr id="29" name="Rectangle 28">
+                <a:extLst>
+                  <a:ext uri="{FF2B5EF4-FFF2-40B4-BE49-F238E27FC236}">
+                    <a16:creationId xmlns:a16="http://schemas.microsoft.com/office/drawing/2014/main" id="{CCE264E6-BFF4-4B57-BC47-3FF989C9FD09}"/>
+                  </a:ext>
+                </a:extLst>
+              </p:cNvPr>
+              <p:cNvSpPr/>
+              <p:nvPr/>
+            </p:nvSpPr>
+            <p:spPr>
+              <a:xfrm>
+                <a:off x="3308061" y="892553"/>
+                <a:ext cx="368300" cy="1193741"/>
+              </a:xfrm>
+              <a:prstGeom prst="rect">
+                <a:avLst/>
+              </a:prstGeom>
+              <a:solidFill>
+                <a:srgbClr val="154360"/>
+              </a:solidFill>
+              <a:ln>
+                <a:noFill/>
+              </a:ln>
+            </p:spPr>
+            <p:style>
+              <a:lnRef idx="2">
+                <a:schemeClr val="accent1">
+                  <a:shade val="50000"/>
+                </a:schemeClr>
+              </a:lnRef>
+              <a:fillRef idx="1">
+                <a:schemeClr val="accent1"/>
+              </a:fillRef>
+              <a:effectRef idx="0">
+                <a:schemeClr val="accent1"/>
+              </a:effectRef>
+              <a:fontRef idx="minor">
+                <a:schemeClr val="lt1"/>
+              </a:fontRef>
+            </p:style>
+            <p:txBody>
+              <a:bodyPr rtlCol="0" anchor="ctr"/>
+              <a:lstStyle/>
+              <a:p>
+                <a:pPr algn="ctr"/>
+                <a:endParaRPr lang="en-US" dirty="0"/>
+              </a:p>
+            </p:txBody>
+          </p:sp>
+          <p:cxnSp>
+            <p:nvCxnSpPr>
+              <p:cNvPr id="30" name="Connector: Curved 29">
+                <a:extLst>
+                  <a:ext uri="{FF2B5EF4-FFF2-40B4-BE49-F238E27FC236}">
+                    <a16:creationId xmlns:a16="http://schemas.microsoft.com/office/drawing/2014/main" id="{3233D393-4BBC-4DC9-AC95-82A06FBFB95D}"/>
+                  </a:ext>
+                </a:extLst>
+              </p:cNvPr>
+              <p:cNvCxnSpPr>
+                <a:cxnSpLocks/>
+                <a:endCxn id="27" idx="1"/>
+              </p:cNvCxnSpPr>
+              <p:nvPr/>
+            </p:nvCxnSpPr>
+            <p:spPr>
+              <a:xfrm flipV="1">
+                <a:off x="1604055" y="1389198"/>
+                <a:ext cx="1163665" cy="590493"/>
+              </a:xfrm>
+              <a:prstGeom prst="curvedConnector3">
+                <a:avLst>
+                  <a:gd name="adj1" fmla="val 50000"/>
+                </a:avLst>
+              </a:prstGeom>
+              <a:ln w="19050">
+                <a:solidFill>
+                  <a:srgbClr val="F88000"/>
+                </a:solidFill>
+                <a:tailEnd type="triangle"/>
+              </a:ln>
+            </p:spPr>
+            <p:style>
+              <a:lnRef idx="1">
+                <a:schemeClr val="accent1"/>
+              </a:lnRef>
+              <a:fillRef idx="0">
+                <a:schemeClr val="accent1"/>
+              </a:fillRef>
+              <a:effectRef idx="0">
+                <a:schemeClr val="accent1"/>
+              </a:effectRef>
+              <a:fontRef idx="minor">
+                <a:schemeClr val="tx1"/>
+              </a:fontRef>
+            </p:style>
+          </p:cxnSp>
+        </p:grpSp>
+        <p:grpSp>
+          <p:nvGrpSpPr>
+            <p:cNvPr id="20" name="Group 19">
+              <a:extLst>
+                <a:ext uri="{FF2B5EF4-FFF2-40B4-BE49-F238E27FC236}">
+                  <a16:creationId xmlns:a16="http://schemas.microsoft.com/office/drawing/2014/main" id="{18050CB6-289C-4E9D-9D23-4C11B5208B74}"/>
+                </a:ext>
+              </a:extLst>
+            </p:cNvPr>
+            <p:cNvGrpSpPr/>
+            <p:nvPr/>
+          </p:nvGrpSpPr>
+          <p:grpSpPr>
+            <a:xfrm>
+              <a:off x="181328" y="338667"/>
+              <a:ext cx="4114800" cy="2114831"/>
+              <a:chOff x="181328" y="338667"/>
+              <a:chExt cx="4114800" cy="2114831"/>
+            </a:xfrm>
+          </p:grpSpPr>
+          <p:sp>
+            <p:nvSpPr>
+              <p:cNvPr id="21" name="Rectangle 20">
+                <a:extLst>
+                  <a:ext uri="{FF2B5EF4-FFF2-40B4-BE49-F238E27FC236}">
+                    <a16:creationId xmlns:a16="http://schemas.microsoft.com/office/drawing/2014/main" id="{BACAFF53-DBE0-482F-AACF-E710B24B209B}"/>
+                  </a:ext>
+                </a:extLst>
+              </p:cNvPr>
+              <p:cNvSpPr/>
+              <p:nvPr/>
+            </p:nvSpPr>
+            <p:spPr>
+              <a:xfrm>
+                <a:off x="181328" y="338667"/>
+                <a:ext cx="4114800" cy="2114831"/>
+              </a:xfrm>
+              <a:prstGeom prst="rect">
+                <a:avLst/>
+              </a:prstGeom>
+              <a:noFill/>
+              <a:ln>
+                <a:solidFill>
+                  <a:srgbClr val="154360"/>
+                </a:solidFill>
+              </a:ln>
+            </p:spPr>
+            <p:style>
+              <a:lnRef idx="2">
+                <a:schemeClr val="accent1">
+                  <a:shade val="50000"/>
+                </a:schemeClr>
+              </a:lnRef>
+              <a:fillRef idx="1">
+                <a:schemeClr val="accent1"/>
+              </a:fillRef>
+              <a:effectRef idx="0">
+                <a:schemeClr val="accent1"/>
+              </a:effectRef>
+              <a:fontRef idx="minor">
+                <a:schemeClr val="lt1"/>
+              </a:fontRef>
+            </p:style>
+            <p:txBody>
+              <a:bodyPr rtlCol="0" anchor="ctr"/>
+              <a:lstStyle/>
+              <a:p>
+                <a:pPr algn="ctr"/>
+                <a:endParaRPr lang="en-US"/>
+              </a:p>
+            </p:txBody>
+          </p:sp>
+          <p:sp>
+            <p:nvSpPr>
+              <p:cNvPr id="22" name="Text Box 2">
+                <a:extLst>
+                  <a:ext uri="{FF2B5EF4-FFF2-40B4-BE49-F238E27FC236}">
+                    <a16:creationId xmlns:a16="http://schemas.microsoft.com/office/drawing/2014/main" id="{558A7475-B437-472F-9B6E-DA279885DC5A}"/>
+                  </a:ext>
+                </a:extLst>
+              </p:cNvPr>
+              <p:cNvSpPr txBox="1">
+                <a:spLocks noChangeArrowheads="1"/>
+              </p:cNvSpPr>
+              <p:nvPr/>
+            </p:nvSpPr>
+            <p:spPr bwMode="auto">
+              <a:xfrm>
+                <a:off x="2350966" y="1458774"/>
+                <a:ext cx="1822449" cy="994724"/>
+              </a:xfrm>
+              <a:prstGeom prst="rect">
+                <a:avLst/>
+              </a:prstGeom>
+              <a:noFill/>
+              <a:ln w="9525">
+                <a:noFill/>
+                <a:miter lim="800000"/>
+                <a:headEnd/>
+                <a:tailEnd/>
+              </a:ln>
+            </p:spPr>
+            <p:txBody>
+              <a:bodyPr rot="0" vert="horz" wrap="square" lIns="91440" tIns="45720" rIns="91440" bIns="45720" anchor="t" anchorCtr="0">
+                <a:noAutofit/>
+              </a:bodyPr>
+              <a:lstStyle/>
+              <a:p>
+                <a:pPr marL="0" marR="0">
+                  <a:spcBef>
+                    <a:spcPts val="0"/>
+                  </a:spcBef>
+                  <a:spcAft>
+                    <a:spcPts val="0"/>
+                  </a:spcAft>
+                </a:pPr>
+                <a:r>
+                  <a:rPr lang="en-US" sz="3000" b="1" dirty="0" smtClean="0">
+                    <a:latin typeface="Arial" panose="020B0604020202020204" pitchFamily="34" charset="0"/>
+                    <a:ea typeface="PMingLiU" panose="02020500000000000000" pitchFamily="18" charset="-120"/>
+                    <a:cs typeface="Arial" panose="020B0604020202020204" pitchFamily="34" charset="0"/>
+                  </a:rPr>
+                  <a:t>SMOTE</a:t>
+                </a:r>
+              </a:p>
+              <a:p>
+                <a:pPr marL="0" marR="0">
+                  <a:spcBef>
+                    <a:spcPts val="0"/>
+                  </a:spcBef>
+                  <a:spcAft>
+                    <a:spcPts val="0"/>
+                  </a:spcAft>
+                </a:pPr>
+                <a:r>
+                  <a:rPr lang="en-US" sz="3000" b="1" dirty="0" smtClean="0">
+                    <a:effectLst/>
+                    <a:latin typeface="Arial" panose="020B0604020202020204" pitchFamily="34" charset="0"/>
+                    <a:ea typeface="PMingLiU" panose="02020500000000000000" pitchFamily="18" charset="-120"/>
+                    <a:cs typeface="Arial" panose="020B0604020202020204" pitchFamily="34" charset="0"/>
+                  </a:rPr>
+                  <a:t>sampled</a:t>
+                </a:r>
+                <a:endParaRPr lang="en-US" sz="3000" b="1" dirty="0">
+                  <a:effectLst/>
+                  <a:latin typeface="Arial" panose="020B0604020202020204" pitchFamily="34" charset="0"/>
+                  <a:ea typeface="PMingLiU" panose="02020500000000000000" pitchFamily="18" charset="-120"/>
+                  <a:cs typeface="Arial" panose="020B0604020202020204" pitchFamily="34" charset="0"/>
+                </a:endParaRPr>
+              </a:p>
+            </p:txBody>
+          </p:sp>
+          <p:sp>
+            <p:nvSpPr>
+              <p:cNvPr id="23" name="Text Box 2">
+                <a:extLst>
+                  <a:ext uri="{FF2B5EF4-FFF2-40B4-BE49-F238E27FC236}">
+                    <a16:creationId xmlns:a16="http://schemas.microsoft.com/office/drawing/2014/main" id="{46A41402-4FF8-4AAE-B9F3-6564DAB3DB85}"/>
+                  </a:ext>
+                </a:extLst>
+              </p:cNvPr>
+              <p:cNvSpPr txBox="1">
+                <a:spLocks noChangeArrowheads="1"/>
+              </p:cNvSpPr>
+              <p:nvPr/>
+            </p:nvSpPr>
+            <p:spPr bwMode="auto">
+              <a:xfrm>
+                <a:off x="460071" y="1490204"/>
+                <a:ext cx="1631006" cy="901304"/>
+              </a:xfrm>
+              <a:prstGeom prst="rect">
+                <a:avLst/>
+              </a:prstGeom>
+              <a:noFill/>
+              <a:ln w="9525">
+                <a:noFill/>
+                <a:miter lim="800000"/>
+                <a:headEnd/>
+                <a:tailEnd/>
+              </a:ln>
+            </p:spPr>
+            <p:txBody>
+              <a:bodyPr rot="0" vert="horz" wrap="square" lIns="91440" tIns="45720" rIns="91440" bIns="45720" anchor="t" anchorCtr="0">
+                <a:noAutofit/>
+              </a:bodyPr>
+              <a:lstStyle/>
+              <a:p>
+                <a:pPr marL="0" marR="0">
+                  <a:lnSpc>
+                    <a:spcPct val="107000"/>
+                  </a:lnSpc>
+                  <a:spcBef>
+                    <a:spcPts val="0"/>
+                  </a:spcBef>
+                  <a:spcAft>
+                    <a:spcPts val="0"/>
+                  </a:spcAft>
+                </a:pPr>
+                <a:r>
+                  <a:rPr lang="en-US" sz="3000" b="1" dirty="0" smtClean="0">
+                    <a:effectLst/>
+                    <a:latin typeface="Arial" panose="020B0604020202020204" pitchFamily="34" charset="0"/>
+                    <a:ea typeface="PMingLiU" panose="02020500000000000000" pitchFamily="18" charset="-120"/>
+                    <a:cs typeface="Arial" panose="020B0604020202020204" pitchFamily="34" charset="0"/>
+                  </a:rPr>
+                  <a:t>Original Data</a:t>
+                </a:r>
+                <a:endParaRPr lang="en-US" sz="3000" b="1" dirty="0">
+                  <a:effectLst/>
+                  <a:latin typeface="Arial" panose="020B0604020202020204" pitchFamily="34" charset="0"/>
+                  <a:ea typeface="PMingLiU" panose="02020500000000000000" pitchFamily="18" charset="-120"/>
+                  <a:cs typeface="Arial" panose="020B0604020202020204" pitchFamily="34" charset="0"/>
+                </a:endParaRPr>
+              </a:p>
+            </p:txBody>
+          </p:sp>
+          <p:sp>
+            <p:nvSpPr>
+              <p:cNvPr id="24" name="Rectangle 23">
+                <a:extLst>
+                  <a:ext uri="{FF2B5EF4-FFF2-40B4-BE49-F238E27FC236}">
+                    <a16:creationId xmlns:a16="http://schemas.microsoft.com/office/drawing/2014/main" id="{BBA98C06-0C33-4C13-BE4B-B6A4FDDE5040}"/>
+                  </a:ext>
+                </a:extLst>
+              </p:cNvPr>
+              <p:cNvSpPr/>
+              <p:nvPr/>
+            </p:nvSpPr>
+            <p:spPr>
+              <a:xfrm>
+                <a:off x="722480" y="379524"/>
+                <a:ext cx="368300" cy="1188720"/>
+              </a:xfrm>
+              <a:prstGeom prst="rect">
+                <a:avLst/>
+              </a:prstGeom>
+              <a:solidFill>
+                <a:srgbClr val="154360"/>
+              </a:solidFill>
+              <a:ln>
+                <a:noFill/>
+              </a:ln>
+            </p:spPr>
+            <p:style>
+              <a:lnRef idx="2">
+                <a:schemeClr val="accent1">
+                  <a:shade val="50000"/>
+                </a:schemeClr>
+              </a:lnRef>
+              <a:fillRef idx="1">
+                <a:schemeClr val="accent1"/>
+              </a:fillRef>
+              <a:effectRef idx="0">
+                <a:schemeClr val="accent1"/>
+              </a:effectRef>
+              <a:fontRef idx="minor">
+                <a:schemeClr val="lt1"/>
+              </a:fontRef>
+            </p:style>
+            <p:txBody>
+              <a:bodyPr rtlCol="0" anchor="ctr"/>
+              <a:lstStyle/>
+              <a:p>
+                <a:pPr algn="ctr"/>
+                <a:endParaRPr lang="en-US" dirty="0"/>
+              </a:p>
+            </p:txBody>
+          </p:sp>
+          <p:sp>
+            <p:nvSpPr>
+              <p:cNvPr id="25" name="Rectangle 24">
+                <a:extLst>
+                  <a:ext uri="{FF2B5EF4-FFF2-40B4-BE49-F238E27FC236}">
+                    <a16:creationId xmlns:a16="http://schemas.microsoft.com/office/drawing/2014/main" id="{E6947CE5-2A89-4809-91B8-BCB9B96917F1}"/>
+                  </a:ext>
+                </a:extLst>
+              </p:cNvPr>
+              <p:cNvSpPr/>
+              <p:nvPr/>
+            </p:nvSpPr>
+            <p:spPr>
+              <a:xfrm>
+                <a:off x="1268580" y="1339644"/>
+                <a:ext cx="368300" cy="228600"/>
+              </a:xfrm>
+              <a:prstGeom prst="rect">
+                <a:avLst/>
+              </a:prstGeom>
+              <a:solidFill>
+                <a:srgbClr val="154360"/>
+              </a:solidFill>
+              <a:ln>
+                <a:noFill/>
+              </a:ln>
+            </p:spPr>
+            <p:style>
+              <a:lnRef idx="2">
+                <a:schemeClr val="accent1">
+                  <a:shade val="50000"/>
+                </a:schemeClr>
+              </a:lnRef>
+              <a:fillRef idx="1">
+                <a:schemeClr val="accent1"/>
+              </a:fillRef>
+              <a:effectRef idx="0">
+                <a:schemeClr val="accent1"/>
+              </a:effectRef>
+              <a:fontRef idx="minor">
+                <a:schemeClr val="lt1"/>
+              </a:fontRef>
+            </p:style>
+            <p:txBody>
+              <a:bodyPr rtlCol="0" anchor="ctr"/>
+              <a:lstStyle/>
+              <a:p>
+                <a:pPr algn="ctr"/>
+                <a:endParaRPr lang="en-US" dirty="0"/>
+              </a:p>
+            </p:txBody>
+          </p:sp>
+        </p:grpSp>
+      </p:grpSp>
+    </p:spTree>
+    <p:extLst>
+      <p:ext uri="{BB962C8B-B14F-4D97-AF65-F5344CB8AC3E}">
+        <p14:creationId xmlns:p14="http://schemas.microsoft.com/office/powerpoint/2010/main" val="2753658932"/>
+      </p:ext>
+    </p:extLst>
+  </p:cSld>
+  <p:clrMapOvr>
+    <a:masterClrMapping/>
+  </p:clrMapOvr>
+</p:sld>
+</file>
+
+<file path=ppt/slides/slide9.xml><?xml version="1.0" encoding="utf-8"?>
+<p:sld xmlns:a="http://schemas.openxmlformats.org/drawingml/2006/main" xmlns:r="http://schemas.openxmlformats.org/officeDocument/2006/relationships" xmlns:p="http://schemas.openxmlformats.org/presentationml/2006/main">
+  <p:cSld>
+    <p:spTree>
+      <p:nvGrpSpPr>
+        <p:cNvPr id="1" name=""/>
+        <p:cNvGrpSpPr/>
+        <p:nvPr/>
+      </p:nvGrpSpPr>
+      <p:grpSpPr>
+        <a:xfrm>
+          <a:off x="0" y="0"/>
+          <a:ext cx="0" cy="0"/>
+          <a:chOff x="0" y="0"/>
+          <a:chExt cx="0" cy="0"/>
+        </a:xfrm>
+      </p:grpSpPr>
+      <p:grpSp>
+        <p:nvGrpSpPr>
+          <p:cNvPr id="28" name="Group 27">
             <a:extLst>
               <a:ext uri="{FF2B5EF4-FFF2-40B4-BE49-F238E27FC236}">
-                <a16:creationId xmlns:a16="http://schemas.microsoft.com/office/drawing/2014/main" id="{72125F1F-D1CD-49EE-8B36-86439DDAF8B5}"/>
+                <a16:creationId xmlns:a16="http://schemas.microsoft.com/office/drawing/2014/main" id="{18050CB6-289C-4E9D-9D23-4C11B5208B74}"/>
               </a:ext>
             </a:extLst>
           </p:cNvPr>
@@ -15524,77 +16532,66 @@
         </p:nvGrpSpPr>
         <p:grpSpPr>
           <a:xfrm>
-            <a:off x="368898" y="291792"/>
-            <a:ext cx="3618304" cy="2162749"/>
-            <a:chOff x="368898" y="291792"/>
-            <a:chExt cx="3618304" cy="2162749"/>
+            <a:off x="181328" y="338667"/>
+            <a:ext cx="4114800" cy="2114831"/>
+            <a:chOff x="181328" y="338667"/>
+            <a:chExt cx="4114800" cy="2114831"/>
           </a:xfrm>
         </p:grpSpPr>
-        <p:sp>
-          <p:nvSpPr>
-            <p:cNvPr id="11" name="Text Box 2">
+        <p:cxnSp>
+          <p:nvCxnSpPr>
+            <p:cNvPr id="30" name="Connector: Curved 9">
               <a:extLst>
                 <a:ext uri="{FF2B5EF4-FFF2-40B4-BE49-F238E27FC236}">
-                  <a16:creationId xmlns:a16="http://schemas.microsoft.com/office/drawing/2014/main" id="{9CAC7E78-0129-4B16-9C6B-9319AF216522}"/>
+                  <a16:creationId xmlns:a16="http://schemas.microsoft.com/office/drawing/2014/main" id="{0DD6A8D9-930F-4727-8B13-003C1FFF11B3}"/>
                 </a:ext>
               </a:extLst>
             </p:cNvPr>
-            <p:cNvSpPr txBox="1">
-              <a:spLocks noChangeArrowheads="1"/>
-            </p:cNvSpPr>
+            <p:cNvCxnSpPr>
+              <a:cxnSpLocks/>
+              <a:stCxn id="36" idx="3"/>
+              <a:endCxn id="33" idx="1"/>
+            </p:cNvCxnSpPr>
             <p:nvPr/>
-          </p:nvSpPr>
-          <p:spPr bwMode="auto">
+          </p:nvCxnSpPr>
+          <p:spPr>
             <a:xfrm>
-              <a:off x="966406" y="291792"/>
-              <a:ext cx="2117477" cy="590493"/>
+              <a:off x="1090780" y="973884"/>
+              <a:ext cx="1709765" cy="474301"/>
             </a:xfrm>
-            <a:prstGeom prst="rect">
-              <a:avLst/>
+            <a:prstGeom prst="curvedConnector3">
+              <a:avLst>
+                <a:gd name="adj1" fmla="val 50000"/>
+              </a:avLst>
             </a:prstGeom>
-            <a:noFill/>
-            <a:ln w="9525">
-              <a:noFill/>
-              <a:miter lim="800000"/>
-              <a:headEnd/>
-              <a:tailEnd/>
+            <a:ln w="19050">
+              <a:solidFill>
+                <a:srgbClr val="439DD6"/>
+              </a:solidFill>
+              <a:tailEnd type="triangle"/>
             </a:ln>
           </p:spPr>
-          <p:txBody>
-            <a:bodyPr rot="0" vert="horz" wrap="square" lIns="91440" tIns="45720" rIns="91440" bIns="45720" anchor="t" anchorCtr="0">
-              <a:noAutofit/>
-            </a:bodyPr>
-            <a:lstStyle/>
-            <a:p>
-              <a:pPr marL="0" marR="0">
-                <a:spcBef>
-                  <a:spcPts val="0"/>
-                </a:spcBef>
-                <a:spcAft>
-                  <a:spcPts val="0"/>
-                </a:spcAft>
-              </a:pPr>
-              <a:r>
-                <a:rPr lang="en-US" dirty="0">
-                  <a:solidFill>
-                    <a:srgbClr val="F88000"/>
-                  </a:solidFill>
-                  <a:effectLst/>
-                  <a:latin typeface="Arial" panose="020B0604020202020204" pitchFamily="34" charset="0"/>
-                  <a:ea typeface="PMingLiU" panose="02020500000000000000" pitchFamily="18" charset="-120"/>
-                  <a:cs typeface="Arial" panose="020B0604020202020204" pitchFamily="34" charset="0"/>
-                </a:rPr>
-                <a:t>Generate samples from minority class</a:t>
-              </a:r>
-            </a:p>
-          </p:txBody>
-        </p:sp>
+          <p:style>
+            <a:lnRef idx="1">
+              <a:schemeClr val="accent1"/>
+            </a:lnRef>
+            <a:fillRef idx="0">
+              <a:schemeClr val="accent1"/>
+            </a:fillRef>
+            <a:effectRef idx="0">
+              <a:schemeClr val="accent1"/>
+            </a:effectRef>
+            <a:fontRef idx="minor">
+              <a:schemeClr val="tx1"/>
+            </a:fontRef>
+          </p:style>
+        </p:cxnSp>
         <p:sp>
           <p:nvSpPr>
-            <p:cNvPr id="23" name="Rectangle 22">
+            <p:cNvPr id="31" name="Rectangle 30">
               <a:extLst>
                 <a:ext uri="{FF2B5EF4-FFF2-40B4-BE49-F238E27FC236}">
-                  <a16:creationId xmlns:a16="http://schemas.microsoft.com/office/drawing/2014/main" id="{D4D9B23E-7E02-4A42-A6EF-CE680CCFFC24}"/>
+                  <a16:creationId xmlns:a16="http://schemas.microsoft.com/office/drawing/2014/main" id="{BACAFF53-DBE0-482F-AACF-E710B24B209B}"/>
                 </a:ext>
               </a:extLst>
             </p:cNvPr>
@@ -15603,8 +16600,8 @@
           </p:nvSpPr>
           <p:spPr>
             <a:xfrm>
-              <a:off x="368898" y="338667"/>
-              <a:ext cx="3618303" cy="2114831"/>
+              <a:off x="181328" y="338667"/>
+              <a:ext cx="4114800" cy="2114831"/>
             </a:xfrm>
             <a:prstGeom prst="rect">
               <a:avLst/>
@@ -15643,10 +16640,10 @@
         </p:sp>
         <p:sp>
           <p:nvSpPr>
-            <p:cNvPr id="24" name="Text Box 2">
+            <p:cNvPr id="32" name="Text Box 2">
               <a:extLst>
                 <a:ext uri="{FF2B5EF4-FFF2-40B4-BE49-F238E27FC236}">
-                  <a16:creationId xmlns:a16="http://schemas.microsoft.com/office/drawing/2014/main" id="{B06005FD-705B-488E-9BFF-D02CF41D6B25}"/>
+                  <a16:creationId xmlns:a16="http://schemas.microsoft.com/office/drawing/2014/main" id="{558A7475-B437-472F-9B6E-DA279885DC5A}"/>
                 </a:ext>
               </a:extLst>
             </p:cNvPr>
@@ -15657,8 +16654,8 @@
           </p:nvSpPr>
           <p:spPr bwMode="auto">
             <a:xfrm>
-              <a:off x="2080705" y="2093991"/>
-              <a:ext cx="1906497" cy="359506"/>
+              <a:off x="2350966" y="1458774"/>
+              <a:ext cx="1822449" cy="994724"/>
             </a:xfrm>
             <a:prstGeom prst="rect">
               <a:avLst/>
@@ -15689,26 +16686,37 @@
                 </a:spcAft>
               </a:pPr>
               <a:r>
-                <a:rPr lang="en-US" dirty="0">
-                  <a:solidFill>
-                    <a:srgbClr val="154360"/>
-                  </a:solidFill>
+                <a:rPr lang="en-US" sz="3000" b="1" dirty="0" smtClean="0">
+                  <a:latin typeface="Arial" panose="020B0604020202020204" pitchFamily="34" charset="0"/>
+                  <a:ea typeface="PMingLiU" panose="02020500000000000000" pitchFamily="18" charset="-120"/>
+                  <a:cs typeface="Arial" panose="020B0604020202020204" pitchFamily="34" charset="0"/>
+                </a:rPr>
+                <a:t>Under-</a:t>
+              </a:r>
+              <a:r>
+                <a:rPr lang="en-US" sz="3000" b="1" dirty="0" smtClean="0">
                   <a:effectLst/>
                   <a:latin typeface="Arial" panose="020B0604020202020204" pitchFamily="34" charset="0"/>
                   <a:ea typeface="PMingLiU" panose="02020500000000000000" pitchFamily="18" charset="-120"/>
                   <a:cs typeface="Arial" panose="020B0604020202020204" pitchFamily="34" charset="0"/>
                 </a:rPr>
-                <a:t>Resampled Data</a:t>
+                <a:t>sampled</a:t>
               </a:r>
+              <a:endParaRPr lang="en-US" sz="3000" b="1" dirty="0">
+                <a:effectLst/>
+                <a:latin typeface="Arial" panose="020B0604020202020204" pitchFamily="34" charset="0"/>
+                <a:ea typeface="PMingLiU" panose="02020500000000000000" pitchFamily="18" charset="-120"/>
+                <a:cs typeface="Arial" panose="020B0604020202020204" pitchFamily="34" charset="0"/>
+              </a:endParaRPr>
             </a:p>
           </p:txBody>
         </p:sp>
         <p:sp>
           <p:nvSpPr>
-            <p:cNvPr id="25" name="Rectangle 24">
+            <p:cNvPr id="33" name="Rectangle 32">
               <a:extLst>
                 <a:ext uri="{FF2B5EF4-FFF2-40B4-BE49-F238E27FC236}">
-                  <a16:creationId xmlns:a16="http://schemas.microsoft.com/office/drawing/2014/main" id="{E2C46F6D-925A-4E5A-8636-F1BAE9707A42}"/>
+                  <a16:creationId xmlns:a16="http://schemas.microsoft.com/office/drawing/2014/main" id="{679F71AD-1A4C-4AA8-A6C9-189A0AE4652A}"/>
                 </a:ext>
               </a:extLst>
             </p:cNvPr>
@@ -15717,59 +16725,7 @@
           </p:nvSpPr>
           <p:spPr>
             <a:xfrm>
-              <a:off x="2767720" y="886206"/>
-              <a:ext cx="368300" cy="1005984"/>
-            </a:xfrm>
-            <a:prstGeom prst="rect">
-              <a:avLst/>
-            </a:prstGeom>
-            <a:solidFill>
-              <a:srgbClr val="F88000"/>
-            </a:solidFill>
-            <a:ln>
-              <a:noFill/>
-            </a:ln>
-          </p:spPr>
-          <p:style>
-            <a:lnRef idx="2">
-              <a:schemeClr val="accent1">
-                <a:shade val="50000"/>
-              </a:schemeClr>
-            </a:lnRef>
-            <a:fillRef idx="1">
-              <a:schemeClr val="accent1"/>
-            </a:fillRef>
-            <a:effectRef idx="0">
-              <a:schemeClr val="accent1"/>
-            </a:effectRef>
-            <a:fontRef idx="minor">
-              <a:schemeClr val="lt1"/>
-            </a:fontRef>
-          </p:style>
-          <p:txBody>
-            <a:bodyPr rtlCol="0" anchor="ctr"/>
-            <a:lstStyle/>
-            <a:p>
-              <a:pPr algn="ctr"/>
-              <a:endParaRPr lang="en-US" dirty="0"/>
-            </a:p>
-          </p:txBody>
-        </p:sp>
-        <p:sp>
-          <p:nvSpPr>
-            <p:cNvPr id="28" name="Rectangle 27">
-              <a:extLst>
-                <a:ext uri="{FF2B5EF4-FFF2-40B4-BE49-F238E27FC236}">
-                  <a16:creationId xmlns:a16="http://schemas.microsoft.com/office/drawing/2014/main" id="{DE2F116F-2059-40CF-949B-987FDA00E318}"/>
-                </a:ext>
-              </a:extLst>
-            </p:cNvPr>
-            <p:cNvSpPr/>
-            <p:nvPr/>
-          </p:nvSpPr>
-          <p:spPr>
-            <a:xfrm>
-              <a:off x="2767720" y="1859149"/>
+              <a:off x="2800545" y="1333402"/>
               <a:ext cx="368300" cy="229566"/>
             </a:xfrm>
             <a:prstGeom prst="rect">
@@ -15809,10 +16765,10 @@
         </p:sp>
         <p:sp>
           <p:nvSpPr>
-            <p:cNvPr id="29" name="Rectangle 28">
+            <p:cNvPr id="34" name="Rectangle 33">
               <a:extLst>
                 <a:ext uri="{FF2B5EF4-FFF2-40B4-BE49-F238E27FC236}">
-                  <a16:creationId xmlns:a16="http://schemas.microsoft.com/office/drawing/2014/main" id="{CCE264E6-BFF4-4B57-BC47-3FF989C9FD09}"/>
+                  <a16:creationId xmlns:a16="http://schemas.microsoft.com/office/drawing/2014/main" id="{7406FC64-837E-4D27-A301-7DCC715EF9A1}"/>
                 </a:ext>
               </a:extLst>
             </p:cNvPr>
@@ -15821,8 +16777,8 @@
           </p:nvSpPr>
           <p:spPr>
             <a:xfrm>
-              <a:off x="3308061" y="892553"/>
-              <a:ext cx="368300" cy="1193741"/>
+              <a:off x="3358534" y="1334368"/>
+              <a:ext cx="368300" cy="228600"/>
             </a:xfrm>
             <a:prstGeom prst="rect">
               <a:avLst/>
@@ -15859,60 +16815,12 @@
             </a:p>
           </p:txBody>
         </p:sp>
-        <p:cxnSp>
-          <p:nvCxnSpPr>
-            <p:cNvPr id="30" name="Connector: Curved 29">
-              <a:extLst>
-                <a:ext uri="{FF2B5EF4-FFF2-40B4-BE49-F238E27FC236}">
-                  <a16:creationId xmlns:a16="http://schemas.microsoft.com/office/drawing/2014/main" id="{3233D393-4BBC-4DC9-AC95-82A06FBFB95D}"/>
-                </a:ext>
-              </a:extLst>
-            </p:cNvPr>
-            <p:cNvCxnSpPr>
-              <a:cxnSpLocks/>
-              <a:stCxn id="37" idx="3"/>
-              <a:endCxn id="25" idx="1"/>
-            </p:cNvCxnSpPr>
-            <p:nvPr/>
-          </p:nvCxnSpPr>
-          <p:spPr>
-            <a:xfrm flipV="1">
-              <a:off x="1604055" y="1389198"/>
-              <a:ext cx="1163665" cy="590493"/>
-            </a:xfrm>
-            <a:prstGeom prst="curvedConnector3">
-              <a:avLst>
-                <a:gd name="adj1" fmla="val 50000"/>
-              </a:avLst>
-            </a:prstGeom>
-            <a:ln w="19050">
-              <a:solidFill>
-                <a:srgbClr val="F88000"/>
-              </a:solidFill>
-              <a:tailEnd type="triangle"/>
-            </a:ln>
-          </p:spPr>
-          <p:style>
-            <a:lnRef idx="1">
-              <a:schemeClr val="accent1"/>
-            </a:lnRef>
-            <a:fillRef idx="0">
-              <a:schemeClr val="accent1"/>
-            </a:fillRef>
-            <a:effectRef idx="0">
-              <a:schemeClr val="accent1"/>
-            </a:effectRef>
-            <a:fontRef idx="minor">
-              <a:schemeClr val="tx1"/>
-            </a:fontRef>
-          </p:style>
-        </p:cxnSp>
         <p:sp>
           <p:nvSpPr>
             <p:cNvPr id="35" name="Text Box 2">
               <a:extLst>
                 <a:ext uri="{FF2B5EF4-FFF2-40B4-BE49-F238E27FC236}">
-                  <a16:creationId xmlns:a16="http://schemas.microsoft.com/office/drawing/2014/main" id="{663588B2-F647-4CBD-9934-6E7956360BA3}"/>
+                  <a16:creationId xmlns:a16="http://schemas.microsoft.com/office/drawing/2014/main" id="{46A41402-4FF8-4AAE-B9F3-6564DAB3DB85}"/>
                 </a:ext>
               </a:extLst>
             </p:cNvPr>
@@ -15923,8 +16831,8 @@
           </p:nvSpPr>
           <p:spPr bwMode="auto">
             <a:xfrm>
-              <a:off x="368898" y="2093991"/>
-              <a:ext cx="1522118" cy="360550"/>
+              <a:off x="460071" y="1490204"/>
+              <a:ext cx="1631006" cy="901304"/>
             </a:xfrm>
             <a:prstGeom prst="rect">
               <a:avLst/>
@@ -15955,10 +16863,7 @@
                 </a:spcAft>
               </a:pPr>
               <a:r>
-                <a:rPr lang="en-US" dirty="0">
-                  <a:solidFill>
-                    <a:srgbClr val="154360"/>
-                  </a:solidFill>
+                <a:rPr lang="en-US" sz="3000" b="1" dirty="0" smtClean="0">
                   <a:effectLst/>
                   <a:latin typeface="Arial" panose="020B0604020202020204" pitchFamily="34" charset="0"/>
                   <a:ea typeface="PMingLiU" panose="02020500000000000000" pitchFamily="18" charset="-120"/>
@@ -15966,6 +16871,12 @@
                 </a:rPr>
                 <a:t>Original Data</a:t>
               </a:r>
+              <a:endParaRPr lang="en-US" sz="3000" b="1" dirty="0">
+                <a:effectLst/>
+                <a:latin typeface="Arial" panose="020B0604020202020204" pitchFamily="34" charset="0"/>
+                <a:ea typeface="PMingLiU" panose="02020500000000000000" pitchFamily="18" charset="-120"/>
+                <a:cs typeface="Arial" panose="020B0604020202020204" pitchFamily="34" charset="0"/>
+              </a:endParaRPr>
             </a:p>
           </p:txBody>
         </p:sp>
@@ -15974,7 +16885,7 @@
             <p:cNvPr id="36" name="Rectangle 35">
               <a:extLst>
                 <a:ext uri="{FF2B5EF4-FFF2-40B4-BE49-F238E27FC236}">
-                  <a16:creationId xmlns:a16="http://schemas.microsoft.com/office/drawing/2014/main" id="{4907DFB0-BE7F-41E4-897F-98A49CF637ED}"/>
+                  <a16:creationId xmlns:a16="http://schemas.microsoft.com/office/drawing/2014/main" id="{BBA98C06-0C33-4C13-BE4B-B6A4FDDE5040}"/>
                 </a:ext>
               </a:extLst>
             </p:cNvPr>
@@ -15983,7 +16894,7 @@
           </p:nvSpPr>
           <p:spPr>
             <a:xfrm>
-              <a:off x="689655" y="905271"/>
+              <a:off x="722480" y="379524"/>
               <a:ext cx="368300" cy="1188720"/>
             </a:xfrm>
             <a:prstGeom prst="rect">
@@ -16026,7 +16937,7 @@
             <p:cNvPr id="37" name="Rectangle 36">
               <a:extLst>
                 <a:ext uri="{FF2B5EF4-FFF2-40B4-BE49-F238E27FC236}">
-                  <a16:creationId xmlns:a16="http://schemas.microsoft.com/office/drawing/2014/main" id="{FDD61BB7-C382-422F-9663-AA9A9990DB3F}"/>
+                  <a16:creationId xmlns:a16="http://schemas.microsoft.com/office/drawing/2014/main" id="{E6947CE5-2A89-4809-91B8-BCB9B96917F1}"/>
                 </a:ext>
               </a:extLst>
             </p:cNvPr>
@@ -16035,7 +16946,7 @@
           </p:nvSpPr>
           <p:spPr>
             <a:xfrm>
-              <a:off x="1235755" y="1865391"/>
+              <a:off x="1268580" y="1339644"/>
               <a:ext cx="368300" cy="228600"/>
             </a:xfrm>
             <a:prstGeom prst="rect">
@@ -16077,612 +16988,7 @@
     </p:spTree>
     <p:extLst>
       <p:ext uri="{BB962C8B-B14F-4D97-AF65-F5344CB8AC3E}">
-        <p14:creationId xmlns:p14="http://schemas.microsoft.com/office/powerpoint/2010/main" val="3514060367"/>
-      </p:ext>
-    </p:extLst>
-  </p:cSld>
-  <p:clrMapOvr>
-    <a:masterClrMapping/>
-  </p:clrMapOvr>
-</p:sld>
-</file>
-
-<file path=ppt/slides/slide8.xml><?xml version="1.0" encoding="utf-8"?>
-<p:sld xmlns:a="http://schemas.openxmlformats.org/drawingml/2006/main" xmlns:r="http://schemas.openxmlformats.org/officeDocument/2006/relationships" xmlns:p="http://schemas.openxmlformats.org/presentationml/2006/main">
-  <p:cSld>
-    <p:spTree>
-      <p:nvGrpSpPr>
-        <p:cNvPr id="1" name=""/>
-        <p:cNvGrpSpPr/>
-        <p:nvPr/>
-      </p:nvGrpSpPr>
-      <p:grpSpPr>
-        <a:xfrm>
-          <a:off x="0" y="0"/>
-          <a:ext cx="0" cy="0"/>
-          <a:chOff x="0" y="0"/>
-          <a:chExt cx="0" cy="0"/>
-        </a:xfrm>
-      </p:grpSpPr>
-      <p:grpSp>
-        <p:nvGrpSpPr>
-          <p:cNvPr id="18" name="Group 17">
-            <a:extLst>
-              <a:ext uri="{FF2B5EF4-FFF2-40B4-BE49-F238E27FC236}">
-                <a16:creationId xmlns:a16="http://schemas.microsoft.com/office/drawing/2014/main" id="{4233AADB-D517-49AD-8446-5E27EF5B031E}"/>
-              </a:ext>
-            </a:extLst>
-          </p:cNvPr>
-          <p:cNvGrpSpPr/>
-          <p:nvPr/>
-        </p:nvGrpSpPr>
-        <p:grpSpPr>
-          <a:xfrm>
-            <a:off x="368898" y="285203"/>
-            <a:ext cx="3618304" cy="2169338"/>
-            <a:chOff x="368898" y="285203"/>
-            <a:chExt cx="3618304" cy="2169338"/>
-          </a:xfrm>
-        </p:grpSpPr>
-        <p:sp>
-          <p:nvSpPr>
-            <p:cNvPr id="39" name="Rectangle 38">
-              <a:extLst>
-                <a:ext uri="{FF2B5EF4-FFF2-40B4-BE49-F238E27FC236}">
-                  <a16:creationId xmlns:a16="http://schemas.microsoft.com/office/drawing/2014/main" id="{7D6FDDA7-B95C-4416-8917-B63EFC1EDDAE}"/>
-                </a:ext>
-              </a:extLst>
-            </p:cNvPr>
-            <p:cNvSpPr/>
-            <p:nvPr/>
-          </p:nvSpPr>
-          <p:spPr>
-            <a:xfrm>
-              <a:off x="368898" y="338667"/>
-              <a:ext cx="3618303" cy="2114831"/>
-            </a:xfrm>
-            <a:prstGeom prst="rect">
-              <a:avLst/>
-            </a:prstGeom>
-            <a:noFill/>
-            <a:ln>
-              <a:solidFill>
-                <a:srgbClr val="154360"/>
-              </a:solidFill>
-            </a:ln>
-          </p:spPr>
-          <p:style>
-            <a:lnRef idx="2">
-              <a:schemeClr val="accent1">
-                <a:shade val="50000"/>
-              </a:schemeClr>
-            </a:lnRef>
-            <a:fillRef idx="1">
-              <a:schemeClr val="accent1"/>
-            </a:fillRef>
-            <a:effectRef idx="0">
-              <a:schemeClr val="accent1"/>
-            </a:effectRef>
-            <a:fontRef idx="minor">
-              <a:schemeClr val="lt1"/>
-            </a:fontRef>
-          </p:style>
-          <p:txBody>
-            <a:bodyPr rtlCol="0" anchor="ctr"/>
-            <a:lstStyle/>
-            <a:p>
-              <a:pPr algn="ctr"/>
-              <a:endParaRPr lang="en-US"/>
-            </a:p>
-          </p:txBody>
-        </p:sp>
-        <p:sp>
-          <p:nvSpPr>
-            <p:cNvPr id="6" name="Text Box 2">
-              <a:extLst>
-                <a:ext uri="{FF2B5EF4-FFF2-40B4-BE49-F238E27FC236}">
-                  <a16:creationId xmlns:a16="http://schemas.microsoft.com/office/drawing/2014/main" id="{B9985F53-291E-4607-AA54-E242604D23A1}"/>
-                </a:ext>
-              </a:extLst>
-            </p:cNvPr>
-            <p:cNvSpPr txBox="1">
-              <a:spLocks noChangeArrowheads="1"/>
-            </p:cNvSpPr>
-            <p:nvPr/>
-          </p:nvSpPr>
-          <p:spPr bwMode="auto">
-            <a:xfrm>
-              <a:off x="2080705" y="2093991"/>
-              <a:ext cx="1906497" cy="359506"/>
-            </a:xfrm>
-            <a:prstGeom prst="rect">
-              <a:avLst/>
-            </a:prstGeom>
-            <a:noFill/>
-            <a:ln w="9525">
-              <a:noFill/>
-              <a:miter lim="800000"/>
-              <a:headEnd/>
-              <a:tailEnd/>
-            </a:ln>
-          </p:spPr>
-          <p:txBody>
-            <a:bodyPr rot="0" vert="horz" wrap="square" lIns="91440" tIns="45720" rIns="91440" bIns="45720" anchor="t" anchorCtr="0">
-              <a:noAutofit/>
-            </a:bodyPr>
-            <a:lstStyle/>
-            <a:p>
-              <a:pPr marL="0" marR="0">
-                <a:lnSpc>
-                  <a:spcPct val="107000"/>
-                </a:lnSpc>
-                <a:spcBef>
-                  <a:spcPts val="0"/>
-                </a:spcBef>
-                <a:spcAft>
-                  <a:spcPts val="0"/>
-                </a:spcAft>
-              </a:pPr>
-              <a:r>
-                <a:rPr lang="en-US" dirty="0">
-                  <a:solidFill>
-                    <a:srgbClr val="154360"/>
-                  </a:solidFill>
-                  <a:effectLst/>
-                  <a:latin typeface="Arial" panose="020B0604020202020204" pitchFamily="34" charset="0"/>
-                  <a:ea typeface="PMingLiU" panose="02020500000000000000" pitchFamily="18" charset="-120"/>
-                  <a:cs typeface="Arial" panose="020B0604020202020204" pitchFamily="34" charset="0"/>
-                </a:rPr>
-                <a:t>Resampled Data</a:t>
-              </a:r>
-            </a:p>
-          </p:txBody>
-        </p:sp>
-        <p:sp>
-          <p:nvSpPr>
-            <p:cNvPr id="7" name="Rectangle 6">
-              <a:extLst>
-                <a:ext uri="{FF2B5EF4-FFF2-40B4-BE49-F238E27FC236}">
-                  <a16:creationId xmlns:a16="http://schemas.microsoft.com/office/drawing/2014/main" id="{E01361E8-305F-4551-B4EF-B34982CE60CF}"/>
-                </a:ext>
-              </a:extLst>
-            </p:cNvPr>
-            <p:cNvSpPr/>
-            <p:nvPr/>
-          </p:nvSpPr>
-          <p:spPr>
-            <a:xfrm>
-              <a:off x="2767720" y="886206"/>
-              <a:ext cx="368300" cy="1005984"/>
-            </a:xfrm>
-            <a:prstGeom prst="rect">
-              <a:avLst/>
-            </a:prstGeom>
-            <a:solidFill>
-              <a:srgbClr val="FF6666"/>
-            </a:solidFill>
-            <a:ln>
-              <a:noFill/>
-            </a:ln>
-          </p:spPr>
-          <p:style>
-            <a:lnRef idx="2">
-              <a:schemeClr val="accent1">
-                <a:shade val="50000"/>
-              </a:schemeClr>
-            </a:lnRef>
-            <a:fillRef idx="1">
-              <a:schemeClr val="accent1"/>
-            </a:fillRef>
-            <a:effectRef idx="0">
-              <a:schemeClr val="accent1"/>
-            </a:effectRef>
-            <a:fontRef idx="minor">
-              <a:schemeClr val="lt1"/>
-            </a:fontRef>
-          </p:style>
-          <p:txBody>
-            <a:bodyPr rtlCol="0" anchor="ctr"/>
-            <a:lstStyle/>
-            <a:p>
-              <a:pPr algn="ctr"/>
-              <a:endParaRPr lang="en-US" dirty="0"/>
-            </a:p>
-          </p:txBody>
-        </p:sp>
-        <p:sp>
-          <p:nvSpPr>
-            <p:cNvPr id="8" name="Rectangle 7">
-              <a:extLst>
-                <a:ext uri="{FF2B5EF4-FFF2-40B4-BE49-F238E27FC236}">
-                  <a16:creationId xmlns:a16="http://schemas.microsoft.com/office/drawing/2014/main" id="{C5F40D3D-D60E-426A-8FD0-CF146DBFE348}"/>
-                </a:ext>
-              </a:extLst>
-            </p:cNvPr>
-            <p:cNvSpPr/>
-            <p:nvPr/>
-          </p:nvSpPr>
-          <p:spPr>
-            <a:xfrm>
-              <a:off x="2767720" y="1859149"/>
-              <a:ext cx="368300" cy="229566"/>
-            </a:xfrm>
-            <a:prstGeom prst="rect">
-              <a:avLst/>
-            </a:prstGeom>
-            <a:solidFill>
-              <a:srgbClr val="154360"/>
-            </a:solidFill>
-            <a:ln>
-              <a:noFill/>
-            </a:ln>
-          </p:spPr>
-          <p:style>
-            <a:lnRef idx="2">
-              <a:schemeClr val="accent1">
-                <a:shade val="50000"/>
-              </a:schemeClr>
-            </a:lnRef>
-            <a:fillRef idx="1">
-              <a:schemeClr val="accent1"/>
-            </a:fillRef>
-            <a:effectRef idx="0">
-              <a:schemeClr val="accent1"/>
-            </a:effectRef>
-            <a:fontRef idx="minor">
-              <a:schemeClr val="lt1"/>
-            </a:fontRef>
-          </p:style>
-          <p:txBody>
-            <a:bodyPr rtlCol="0" anchor="ctr"/>
-            <a:lstStyle/>
-            <a:p>
-              <a:pPr algn="ctr"/>
-              <a:endParaRPr lang="en-US" dirty="0"/>
-            </a:p>
-          </p:txBody>
-        </p:sp>
-        <p:sp>
-          <p:nvSpPr>
-            <p:cNvPr id="12" name="Rectangle 11">
-              <a:extLst>
-                <a:ext uri="{FF2B5EF4-FFF2-40B4-BE49-F238E27FC236}">
-                  <a16:creationId xmlns:a16="http://schemas.microsoft.com/office/drawing/2014/main" id="{AC3DA610-1A63-40C7-9E84-FAC1146F5266}"/>
-                </a:ext>
-              </a:extLst>
-            </p:cNvPr>
-            <p:cNvSpPr/>
-            <p:nvPr/>
-          </p:nvSpPr>
-          <p:spPr>
-            <a:xfrm>
-              <a:off x="3308061" y="892553"/>
-              <a:ext cx="368300" cy="1193741"/>
-            </a:xfrm>
-            <a:prstGeom prst="rect">
-              <a:avLst/>
-            </a:prstGeom>
-            <a:solidFill>
-              <a:srgbClr val="154360"/>
-            </a:solidFill>
-            <a:ln>
-              <a:noFill/>
-            </a:ln>
-          </p:spPr>
-          <p:style>
-            <a:lnRef idx="2">
-              <a:schemeClr val="accent1">
-                <a:shade val="50000"/>
-              </a:schemeClr>
-            </a:lnRef>
-            <a:fillRef idx="1">
-              <a:schemeClr val="accent1"/>
-            </a:fillRef>
-            <a:effectRef idx="0">
-              <a:schemeClr val="accent1"/>
-            </a:effectRef>
-            <a:fontRef idx="minor">
-              <a:schemeClr val="lt1"/>
-            </a:fontRef>
-          </p:style>
-          <p:txBody>
-            <a:bodyPr rtlCol="0" anchor="ctr"/>
-            <a:lstStyle/>
-            <a:p>
-              <a:pPr algn="ctr"/>
-              <a:endParaRPr lang="en-US" dirty="0"/>
-            </a:p>
-          </p:txBody>
-        </p:sp>
-        <p:cxnSp>
-          <p:nvCxnSpPr>
-            <p:cNvPr id="26" name="Connector: Curved 25">
-              <a:extLst>
-                <a:ext uri="{FF2B5EF4-FFF2-40B4-BE49-F238E27FC236}">
-                  <a16:creationId xmlns:a16="http://schemas.microsoft.com/office/drawing/2014/main" id="{277689B0-D9A8-4A2D-9CDF-B75BAF272E40}"/>
-                </a:ext>
-              </a:extLst>
-            </p:cNvPr>
-            <p:cNvCxnSpPr>
-              <a:cxnSpLocks/>
-              <a:stCxn id="16" idx="3"/>
-              <a:endCxn id="7" idx="1"/>
-            </p:cNvCxnSpPr>
-            <p:nvPr/>
-          </p:nvCxnSpPr>
-          <p:spPr>
-            <a:xfrm flipV="1">
-              <a:off x="1604055" y="1389198"/>
-              <a:ext cx="1163665" cy="590493"/>
-            </a:xfrm>
-            <a:prstGeom prst="curvedConnector3">
-              <a:avLst>
-                <a:gd name="adj1" fmla="val 50000"/>
-              </a:avLst>
-            </a:prstGeom>
-            <a:ln w="19050">
-              <a:solidFill>
-                <a:srgbClr val="FF6666"/>
-              </a:solidFill>
-              <a:tailEnd type="triangle"/>
-            </a:ln>
-          </p:spPr>
-          <p:style>
-            <a:lnRef idx="1">
-              <a:schemeClr val="accent1"/>
-            </a:lnRef>
-            <a:fillRef idx="0">
-              <a:schemeClr val="accent1"/>
-            </a:fillRef>
-            <a:effectRef idx="0">
-              <a:schemeClr val="accent1"/>
-            </a:effectRef>
-            <a:fontRef idx="minor">
-              <a:schemeClr val="tx1"/>
-            </a:fontRef>
-          </p:style>
-        </p:cxnSp>
-        <p:sp>
-          <p:nvSpPr>
-            <p:cNvPr id="13" name="Text Box 2">
-              <a:extLst>
-                <a:ext uri="{FF2B5EF4-FFF2-40B4-BE49-F238E27FC236}">
-                  <a16:creationId xmlns:a16="http://schemas.microsoft.com/office/drawing/2014/main" id="{4E6161C2-C64C-424D-9EAA-26F734A584FA}"/>
-                </a:ext>
-              </a:extLst>
-            </p:cNvPr>
-            <p:cNvSpPr txBox="1">
-              <a:spLocks noChangeArrowheads="1"/>
-            </p:cNvSpPr>
-            <p:nvPr/>
-          </p:nvSpPr>
-          <p:spPr bwMode="auto">
-            <a:xfrm>
-              <a:off x="1031713" y="285203"/>
-              <a:ext cx="2465020" cy="808955"/>
-            </a:xfrm>
-            <a:prstGeom prst="rect">
-              <a:avLst/>
-            </a:prstGeom>
-            <a:noFill/>
-            <a:ln w="9525">
-              <a:noFill/>
-              <a:miter lim="800000"/>
-              <a:headEnd/>
-              <a:tailEnd/>
-            </a:ln>
-          </p:spPr>
-          <p:txBody>
-            <a:bodyPr rot="0" vert="horz" wrap="square" lIns="91440" tIns="45720" rIns="91440" bIns="45720" anchor="t" anchorCtr="0">
-              <a:noAutofit/>
-            </a:bodyPr>
-            <a:lstStyle/>
-            <a:p>
-              <a:pPr marL="0" marR="0">
-                <a:spcBef>
-                  <a:spcPts val="0"/>
-                </a:spcBef>
-                <a:spcAft>
-                  <a:spcPts val="0"/>
-                </a:spcAft>
-              </a:pPr>
-              <a:r>
-                <a:rPr lang="en-US" dirty="0">
-                  <a:solidFill>
-                    <a:srgbClr val="FF6666"/>
-                  </a:solidFill>
-                  <a:latin typeface="Arial" panose="020B0604020202020204" pitchFamily="34" charset="0"/>
-                  <a:ea typeface="PMingLiU" panose="02020500000000000000" pitchFamily="18" charset="-120"/>
-                  <a:cs typeface="Arial" panose="020B0604020202020204" pitchFamily="34" charset="0"/>
-                </a:rPr>
-                <a:t>G</a:t>
-              </a:r>
-              <a:r>
-                <a:rPr lang="en-US" dirty="0">
-                  <a:solidFill>
-                    <a:srgbClr val="FF6666"/>
-                  </a:solidFill>
-                  <a:effectLst/>
-                  <a:latin typeface="Arial" panose="020B0604020202020204" pitchFamily="34" charset="0"/>
-                  <a:ea typeface="PMingLiU" panose="02020500000000000000" pitchFamily="18" charset="-120"/>
-                  <a:cs typeface="Arial" panose="020B0604020202020204" pitchFamily="34" charset="0"/>
-                </a:rPr>
-                <a:t>enerate synthetic samples from minority class</a:t>
-              </a:r>
-            </a:p>
-          </p:txBody>
-        </p:sp>
-        <p:sp>
-          <p:nvSpPr>
-            <p:cNvPr id="14" name="Text Box 2">
-              <a:extLst>
-                <a:ext uri="{FF2B5EF4-FFF2-40B4-BE49-F238E27FC236}">
-                  <a16:creationId xmlns:a16="http://schemas.microsoft.com/office/drawing/2014/main" id="{AB5ED3CC-60E8-42CA-B5A2-9DA7C502CF42}"/>
-                </a:ext>
-              </a:extLst>
-            </p:cNvPr>
-            <p:cNvSpPr txBox="1">
-              <a:spLocks noChangeArrowheads="1"/>
-            </p:cNvSpPr>
-            <p:nvPr/>
-          </p:nvSpPr>
-          <p:spPr bwMode="auto">
-            <a:xfrm>
-              <a:off x="368898" y="2093991"/>
-              <a:ext cx="1522118" cy="360550"/>
-            </a:xfrm>
-            <a:prstGeom prst="rect">
-              <a:avLst/>
-            </a:prstGeom>
-            <a:noFill/>
-            <a:ln w="9525">
-              <a:noFill/>
-              <a:miter lim="800000"/>
-              <a:headEnd/>
-              <a:tailEnd/>
-            </a:ln>
-          </p:spPr>
-          <p:txBody>
-            <a:bodyPr rot="0" vert="horz" wrap="square" lIns="91440" tIns="45720" rIns="91440" bIns="45720" anchor="t" anchorCtr="0">
-              <a:noAutofit/>
-            </a:bodyPr>
-            <a:lstStyle/>
-            <a:p>
-              <a:pPr marL="0" marR="0">
-                <a:lnSpc>
-                  <a:spcPct val="107000"/>
-                </a:lnSpc>
-                <a:spcBef>
-                  <a:spcPts val="0"/>
-                </a:spcBef>
-                <a:spcAft>
-                  <a:spcPts val="0"/>
-                </a:spcAft>
-              </a:pPr>
-              <a:r>
-                <a:rPr lang="en-US" dirty="0">
-                  <a:solidFill>
-                    <a:srgbClr val="154360"/>
-                  </a:solidFill>
-                  <a:effectLst/>
-                  <a:latin typeface="Arial" panose="020B0604020202020204" pitchFamily="34" charset="0"/>
-                  <a:ea typeface="PMingLiU" panose="02020500000000000000" pitchFamily="18" charset="-120"/>
-                  <a:cs typeface="Arial" panose="020B0604020202020204" pitchFamily="34" charset="0"/>
-                </a:rPr>
-                <a:t>Original Data</a:t>
-              </a:r>
-            </a:p>
-          </p:txBody>
-        </p:sp>
-        <p:sp>
-          <p:nvSpPr>
-            <p:cNvPr id="15" name="Rectangle 14">
-              <a:extLst>
-                <a:ext uri="{FF2B5EF4-FFF2-40B4-BE49-F238E27FC236}">
-                  <a16:creationId xmlns:a16="http://schemas.microsoft.com/office/drawing/2014/main" id="{59375AA4-862E-4B9E-AC41-0FF9F475D690}"/>
-                </a:ext>
-              </a:extLst>
-            </p:cNvPr>
-            <p:cNvSpPr/>
-            <p:nvPr/>
-          </p:nvSpPr>
-          <p:spPr>
-            <a:xfrm>
-              <a:off x="689655" y="905271"/>
-              <a:ext cx="368300" cy="1188720"/>
-            </a:xfrm>
-            <a:prstGeom prst="rect">
-              <a:avLst/>
-            </a:prstGeom>
-            <a:solidFill>
-              <a:srgbClr val="154360"/>
-            </a:solidFill>
-            <a:ln>
-              <a:noFill/>
-            </a:ln>
-          </p:spPr>
-          <p:style>
-            <a:lnRef idx="2">
-              <a:schemeClr val="accent1">
-                <a:shade val="50000"/>
-              </a:schemeClr>
-            </a:lnRef>
-            <a:fillRef idx="1">
-              <a:schemeClr val="accent1"/>
-            </a:fillRef>
-            <a:effectRef idx="0">
-              <a:schemeClr val="accent1"/>
-            </a:effectRef>
-            <a:fontRef idx="minor">
-              <a:schemeClr val="lt1"/>
-            </a:fontRef>
-          </p:style>
-          <p:txBody>
-            <a:bodyPr rtlCol="0" anchor="ctr"/>
-            <a:lstStyle/>
-            <a:p>
-              <a:pPr algn="ctr"/>
-              <a:endParaRPr lang="en-US" dirty="0"/>
-            </a:p>
-          </p:txBody>
-        </p:sp>
-        <p:sp>
-          <p:nvSpPr>
-            <p:cNvPr id="16" name="Rectangle 15">
-              <a:extLst>
-                <a:ext uri="{FF2B5EF4-FFF2-40B4-BE49-F238E27FC236}">
-                  <a16:creationId xmlns:a16="http://schemas.microsoft.com/office/drawing/2014/main" id="{35B01A3D-AEA6-44DA-A450-F3CD6535420B}"/>
-                </a:ext>
-              </a:extLst>
-            </p:cNvPr>
-            <p:cNvSpPr/>
-            <p:nvPr/>
-          </p:nvSpPr>
-          <p:spPr>
-            <a:xfrm>
-              <a:off x="1235755" y="1865391"/>
-              <a:ext cx="368300" cy="228600"/>
-            </a:xfrm>
-            <a:prstGeom prst="rect">
-              <a:avLst/>
-            </a:prstGeom>
-            <a:solidFill>
-              <a:srgbClr val="154360"/>
-            </a:solidFill>
-            <a:ln>
-              <a:noFill/>
-            </a:ln>
-          </p:spPr>
-          <p:style>
-            <a:lnRef idx="2">
-              <a:schemeClr val="accent1">
-                <a:shade val="50000"/>
-              </a:schemeClr>
-            </a:lnRef>
-            <a:fillRef idx="1">
-              <a:schemeClr val="accent1"/>
-            </a:fillRef>
-            <a:effectRef idx="0">
-              <a:schemeClr val="accent1"/>
-            </a:effectRef>
-            <a:fontRef idx="minor">
-              <a:schemeClr val="lt1"/>
-            </a:fontRef>
-          </p:style>
-          <p:txBody>
-            <a:bodyPr rtlCol="0" anchor="ctr"/>
-            <a:lstStyle/>
-            <a:p>
-              <a:pPr algn="ctr"/>
-              <a:endParaRPr lang="en-US" dirty="0"/>
-            </a:p>
-          </p:txBody>
-        </p:sp>
-      </p:grpSp>
-    </p:spTree>
-    <p:extLst>
-      <p:ext uri="{BB962C8B-B14F-4D97-AF65-F5344CB8AC3E}">
-        <p14:creationId xmlns:p14="http://schemas.microsoft.com/office/powerpoint/2010/main" val="2753658932"/>
+        <p14:creationId xmlns:p14="http://schemas.microsoft.com/office/powerpoint/2010/main" val="2237745357"/>
       </p:ext>
     </p:extLst>
   </p:cSld>
